--- a/images/vue(office).pptx
+++ b/images/vue(office).pptx
@@ -24,6 +24,7 @@
     <p:sldId id="272" r:id="rId18"/>
     <p:sldId id="273" r:id="rId19"/>
     <p:sldId id="274" r:id="rId20"/>
+    <p:sldId id="275" r:id="rId21"/>
   </p:sldIdLst>
   <p:sldSz cx="12192000" cy="6858000"/>
   <p:notesSz cx="6858000" cy="9144000"/>
@@ -272,7 +273,7 @@
           <a:p>
             <a:fld id="{D669FA1A-B387-4C47-9841-2D1A9ED4BFE2}" type="datetimeFigureOut">
               <a:rPr lang="ko-KR" altLang="en-US" smtClean="0"/>
-              <a:t>2021-10-28</a:t>
+              <a:t>2021-11-02</a:t>
             </a:fld>
             <a:endParaRPr lang="ko-KR" altLang="en-US"/>
           </a:p>
@@ -442,7 +443,7 @@
           <a:p>
             <a:fld id="{D669FA1A-B387-4C47-9841-2D1A9ED4BFE2}" type="datetimeFigureOut">
               <a:rPr lang="ko-KR" altLang="en-US" smtClean="0"/>
-              <a:t>2021-10-28</a:t>
+              <a:t>2021-11-02</a:t>
             </a:fld>
             <a:endParaRPr lang="ko-KR" altLang="en-US"/>
           </a:p>
@@ -622,7 +623,7 @@
           <a:p>
             <a:fld id="{D669FA1A-B387-4C47-9841-2D1A9ED4BFE2}" type="datetimeFigureOut">
               <a:rPr lang="ko-KR" altLang="en-US" smtClean="0"/>
-              <a:t>2021-10-28</a:t>
+              <a:t>2021-11-02</a:t>
             </a:fld>
             <a:endParaRPr lang="ko-KR" altLang="en-US"/>
           </a:p>
@@ -792,7 +793,7 @@
           <a:p>
             <a:fld id="{D669FA1A-B387-4C47-9841-2D1A9ED4BFE2}" type="datetimeFigureOut">
               <a:rPr lang="ko-KR" altLang="en-US" smtClean="0"/>
-              <a:t>2021-10-28</a:t>
+              <a:t>2021-11-02</a:t>
             </a:fld>
             <a:endParaRPr lang="ko-KR" altLang="en-US"/>
           </a:p>
@@ -1038,7 +1039,7 @@
           <a:p>
             <a:fld id="{D669FA1A-B387-4C47-9841-2D1A9ED4BFE2}" type="datetimeFigureOut">
               <a:rPr lang="ko-KR" altLang="en-US" smtClean="0"/>
-              <a:t>2021-10-28</a:t>
+              <a:t>2021-11-02</a:t>
             </a:fld>
             <a:endParaRPr lang="ko-KR" altLang="en-US"/>
           </a:p>
@@ -1270,7 +1271,7 @@
           <a:p>
             <a:fld id="{D669FA1A-B387-4C47-9841-2D1A9ED4BFE2}" type="datetimeFigureOut">
               <a:rPr lang="ko-KR" altLang="en-US" smtClean="0"/>
-              <a:t>2021-10-28</a:t>
+              <a:t>2021-11-02</a:t>
             </a:fld>
             <a:endParaRPr lang="ko-KR" altLang="en-US"/>
           </a:p>
@@ -1637,7 +1638,7 @@
           <a:p>
             <a:fld id="{D669FA1A-B387-4C47-9841-2D1A9ED4BFE2}" type="datetimeFigureOut">
               <a:rPr lang="ko-KR" altLang="en-US" smtClean="0"/>
-              <a:t>2021-10-28</a:t>
+              <a:t>2021-11-02</a:t>
             </a:fld>
             <a:endParaRPr lang="ko-KR" altLang="en-US"/>
           </a:p>
@@ -1755,7 +1756,7 @@
           <a:p>
             <a:fld id="{D669FA1A-B387-4C47-9841-2D1A9ED4BFE2}" type="datetimeFigureOut">
               <a:rPr lang="ko-KR" altLang="en-US" smtClean="0"/>
-              <a:t>2021-10-28</a:t>
+              <a:t>2021-11-02</a:t>
             </a:fld>
             <a:endParaRPr lang="ko-KR" altLang="en-US"/>
           </a:p>
@@ -1850,7 +1851,7 @@
           <a:p>
             <a:fld id="{D669FA1A-B387-4C47-9841-2D1A9ED4BFE2}" type="datetimeFigureOut">
               <a:rPr lang="ko-KR" altLang="en-US" smtClean="0"/>
-              <a:t>2021-10-28</a:t>
+              <a:t>2021-11-02</a:t>
             </a:fld>
             <a:endParaRPr lang="ko-KR" altLang="en-US"/>
           </a:p>
@@ -2127,7 +2128,7 @@
           <a:p>
             <a:fld id="{D669FA1A-B387-4C47-9841-2D1A9ED4BFE2}" type="datetimeFigureOut">
               <a:rPr lang="ko-KR" altLang="en-US" smtClean="0"/>
-              <a:t>2021-10-28</a:t>
+              <a:t>2021-11-02</a:t>
             </a:fld>
             <a:endParaRPr lang="ko-KR" altLang="en-US"/>
           </a:p>
@@ -2380,7 +2381,7 @@
           <a:p>
             <a:fld id="{D669FA1A-B387-4C47-9841-2D1A9ED4BFE2}" type="datetimeFigureOut">
               <a:rPr lang="ko-KR" altLang="en-US" smtClean="0"/>
-              <a:t>2021-10-28</a:t>
+              <a:t>2021-11-02</a:t>
             </a:fld>
             <a:endParaRPr lang="ko-KR" altLang="en-US"/>
           </a:p>
@@ -2593,7 +2594,7 @@
           <a:p>
             <a:fld id="{D669FA1A-B387-4C47-9841-2D1A9ED4BFE2}" type="datetimeFigureOut">
               <a:rPr lang="ko-KR" altLang="en-US" smtClean="0"/>
-              <a:t>2021-10-28</a:t>
+              <a:t>2021-11-02</a:t>
             </a:fld>
             <a:endParaRPr lang="ko-KR" altLang="en-US"/>
           </a:p>
@@ -12037,6 +12038,746 @@
 </p:sld>
 </file>
 
+<file path=ppt/slides/slide20.xml><?xml version="1.0" encoding="utf-8"?>
+<p:sld xmlns:a="http://schemas.openxmlformats.org/drawingml/2006/main" xmlns:r="http://schemas.openxmlformats.org/officeDocument/2006/relationships" xmlns:p="http://schemas.openxmlformats.org/presentationml/2006/main">
+  <p:cSld>
+    <p:spTree>
+      <p:nvGrpSpPr>
+        <p:cNvPr id="1" name=""/>
+        <p:cNvGrpSpPr/>
+        <p:nvPr/>
+      </p:nvGrpSpPr>
+      <p:grpSpPr>
+        <a:xfrm>
+          <a:off x="0" y="0"/>
+          <a:ext cx="0" cy="0"/>
+          <a:chOff x="0" y="0"/>
+          <a:chExt cx="0" cy="0"/>
+        </a:xfrm>
+      </p:grpSpPr>
+      <p:sp>
+        <p:nvSpPr>
+          <p:cNvPr id="4" name="모서리가 둥근 직사각형 3"/>
+          <p:cNvSpPr/>
+          <p:nvPr/>
+        </p:nvSpPr>
+        <p:spPr>
+          <a:xfrm>
+            <a:off x="278215" y="211786"/>
+            <a:ext cx="4480822" cy="2271641"/>
+          </a:xfrm>
+          <a:prstGeom prst="roundRect">
+            <a:avLst>
+              <a:gd name="adj" fmla="val 1880"/>
+            </a:avLst>
+          </a:prstGeom>
+          <a:solidFill>
+            <a:schemeClr val="bg1">
+              <a:lumMod val="85000"/>
+            </a:schemeClr>
+          </a:solidFill>
+          <a:ln>
+            <a:solidFill>
+              <a:schemeClr val="tx1"/>
+            </a:solidFill>
+          </a:ln>
+        </p:spPr>
+        <p:style>
+          <a:lnRef idx="2">
+            <a:schemeClr val="accent1">
+              <a:shade val="50000"/>
+            </a:schemeClr>
+          </a:lnRef>
+          <a:fillRef idx="1">
+            <a:schemeClr val="accent1"/>
+          </a:fillRef>
+          <a:effectRef idx="0">
+            <a:schemeClr val="accent1"/>
+          </a:effectRef>
+          <a:fontRef idx="minor">
+            <a:schemeClr val="lt1"/>
+          </a:fontRef>
+        </p:style>
+        <p:txBody>
+          <a:bodyPr rtlCol="0" anchor="ctr"/>
+          <a:lstStyle/>
+          <a:p>
+            <a:pPr algn="ctr"/>
+            <a:endParaRPr lang="ko-KR" altLang="en-US" dirty="0"/>
+          </a:p>
+        </p:txBody>
+      </p:sp>
+      <p:sp>
+        <p:nvSpPr>
+          <p:cNvPr id="9" name="모서리가 둥근 직사각형 8"/>
+          <p:cNvSpPr/>
+          <p:nvPr/>
+        </p:nvSpPr>
+        <p:spPr>
+          <a:xfrm>
+            <a:off x="3657115" y="547718"/>
+            <a:ext cx="987879" cy="656461"/>
+          </a:xfrm>
+          <a:prstGeom prst="roundRect">
+            <a:avLst/>
+          </a:prstGeom>
+          <a:solidFill>
+            <a:schemeClr val="accent6">
+              <a:lumMod val="40000"/>
+              <a:lumOff val="60000"/>
+            </a:schemeClr>
+          </a:solidFill>
+          <a:ln>
+            <a:solidFill>
+              <a:schemeClr val="accent6"/>
+            </a:solidFill>
+          </a:ln>
+        </p:spPr>
+        <p:style>
+          <a:lnRef idx="2">
+            <a:schemeClr val="accent1">
+              <a:shade val="50000"/>
+            </a:schemeClr>
+          </a:lnRef>
+          <a:fillRef idx="1">
+            <a:schemeClr val="accent1"/>
+          </a:fillRef>
+          <a:effectRef idx="0">
+            <a:schemeClr val="accent1"/>
+          </a:effectRef>
+          <a:fontRef idx="minor">
+            <a:schemeClr val="lt1"/>
+          </a:fontRef>
+        </p:style>
+        <p:txBody>
+          <a:bodyPr rtlCol="0" anchor="ctr"/>
+          <a:lstStyle/>
+          <a:p>
+            <a:pPr algn="ctr"/>
+            <a:r>
+              <a:rPr lang="en-US" altLang="ko-KR" dirty="0" smtClean="0">
+                <a:solidFill>
+                  <a:schemeClr val="tx1"/>
+                </a:solidFill>
+              </a:rPr>
+              <a:t>API</a:t>
+            </a:r>
+            <a:endParaRPr lang="ko-KR" altLang="en-US" dirty="0">
+              <a:solidFill>
+                <a:schemeClr val="tx1"/>
+              </a:solidFill>
+            </a:endParaRPr>
+          </a:p>
+        </p:txBody>
+      </p:sp>
+      <p:sp>
+        <p:nvSpPr>
+          <p:cNvPr id="10" name="순서도: 자기 디스크 9"/>
+          <p:cNvSpPr/>
+          <p:nvPr/>
+        </p:nvSpPr>
+        <p:spPr>
+          <a:xfrm>
+            <a:off x="3740613" y="1379832"/>
+            <a:ext cx="820882" cy="946004"/>
+          </a:xfrm>
+          <a:prstGeom prst="flowChartMagneticDisk">
+            <a:avLst/>
+          </a:prstGeom>
+          <a:solidFill>
+            <a:schemeClr val="accent5">
+              <a:lumMod val="20000"/>
+              <a:lumOff val="80000"/>
+            </a:schemeClr>
+          </a:solidFill>
+        </p:spPr>
+        <p:style>
+          <a:lnRef idx="2">
+            <a:schemeClr val="accent1">
+              <a:shade val="50000"/>
+            </a:schemeClr>
+          </a:lnRef>
+          <a:fillRef idx="1">
+            <a:schemeClr val="accent1"/>
+          </a:fillRef>
+          <a:effectRef idx="0">
+            <a:schemeClr val="accent1"/>
+          </a:effectRef>
+          <a:fontRef idx="minor">
+            <a:schemeClr val="lt1"/>
+          </a:fontRef>
+        </p:style>
+        <p:txBody>
+          <a:bodyPr rtlCol="0" anchor="ctr"/>
+          <a:lstStyle/>
+          <a:p>
+            <a:pPr algn="ctr"/>
+            <a:r>
+              <a:rPr lang="en-US" altLang="ko-KR" sz="1000" dirty="0" smtClean="0">
+                <a:solidFill>
+                  <a:schemeClr val="tx1"/>
+                </a:solidFill>
+              </a:rPr>
+              <a:t>MongoDB</a:t>
+            </a:r>
+          </a:p>
+          <a:p>
+            <a:pPr algn="ctr"/>
+            <a:r>
+              <a:rPr lang="en-US" altLang="ko-KR" sz="1000" dirty="0" smtClean="0">
+                <a:solidFill>
+                  <a:schemeClr val="tx1"/>
+                </a:solidFill>
+              </a:rPr>
+              <a:t>(Cloud)</a:t>
+            </a:r>
+            <a:endParaRPr lang="ko-KR" altLang="en-US" sz="1000" dirty="0">
+              <a:solidFill>
+                <a:schemeClr val="tx1"/>
+              </a:solidFill>
+            </a:endParaRPr>
+          </a:p>
+        </p:txBody>
+      </p:sp>
+      <p:sp>
+        <p:nvSpPr>
+          <p:cNvPr id="17" name="모서리가 둥근 직사각형 16"/>
+          <p:cNvSpPr/>
+          <p:nvPr/>
+        </p:nvSpPr>
+        <p:spPr>
+          <a:xfrm>
+            <a:off x="379911" y="547718"/>
+            <a:ext cx="1349829" cy="1778118"/>
+          </a:xfrm>
+          <a:prstGeom prst="roundRect">
+            <a:avLst/>
+          </a:prstGeom>
+          <a:solidFill>
+            <a:schemeClr val="accent4">
+              <a:lumMod val="40000"/>
+              <a:lumOff val="60000"/>
+            </a:schemeClr>
+          </a:solidFill>
+          <a:ln>
+            <a:solidFill>
+              <a:schemeClr val="accent4"/>
+            </a:solidFill>
+          </a:ln>
+        </p:spPr>
+        <p:style>
+          <a:lnRef idx="2">
+            <a:schemeClr val="accent1">
+              <a:shade val="50000"/>
+            </a:schemeClr>
+          </a:lnRef>
+          <a:fillRef idx="1">
+            <a:schemeClr val="accent1"/>
+          </a:fillRef>
+          <a:effectRef idx="0">
+            <a:schemeClr val="accent1"/>
+          </a:effectRef>
+          <a:fontRef idx="minor">
+            <a:schemeClr val="lt1"/>
+          </a:fontRef>
+        </p:style>
+        <p:txBody>
+          <a:bodyPr rtlCol="0" anchor="ctr"/>
+          <a:lstStyle/>
+          <a:p>
+            <a:r>
+              <a:rPr lang="en-US" altLang="ko-KR" sz="1000" dirty="0" smtClean="0">
+                <a:solidFill>
+                  <a:schemeClr val="tx1"/>
+                </a:solidFill>
+              </a:rPr>
+              <a:t>App</a:t>
+            </a:r>
+            <a:endParaRPr lang="ko-KR" altLang="en-US" sz="1000" dirty="0">
+              <a:solidFill>
+                <a:schemeClr val="tx1"/>
+              </a:solidFill>
+            </a:endParaRPr>
+          </a:p>
+        </p:txBody>
+      </p:sp>
+      <p:sp>
+        <p:nvSpPr>
+          <p:cNvPr id="18" name="모서리가 둥근 직사각형 17"/>
+          <p:cNvSpPr/>
+          <p:nvPr/>
+        </p:nvSpPr>
+        <p:spPr>
+          <a:xfrm>
+            <a:off x="976745" y="716974"/>
+            <a:ext cx="1349829" cy="1054526"/>
+          </a:xfrm>
+          <a:prstGeom prst="roundRect">
+            <a:avLst/>
+          </a:prstGeom>
+          <a:solidFill>
+            <a:schemeClr val="accent1">
+              <a:lumMod val="40000"/>
+              <a:lumOff val="60000"/>
+            </a:schemeClr>
+          </a:solidFill>
+          <a:ln>
+            <a:solidFill>
+              <a:schemeClr val="accent1"/>
+            </a:solidFill>
+          </a:ln>
+        </p:spPr>
+        <p:style>
+          <a:lnRef idx="2">
+            <a:schemeClr val="accent1">
+              <a:shade val="50000"/>
+            </a:schemeClr>
+          </a:lnRef>
+          <a:fillRef idx="1">
+            <a:schemeClr val="accent1"/>
+          </a:fillRef>
+          <a:effectRef idx="0">
+            <a:schemeClr val="accent1"/>
+          </a:effectRef>
+          <a:fontRef idx="minor">
+            <a:schemeClr val="lt1"/>
+          </a:fontRef>
+        </p:style>
+        <p:txBody>
+          <a:bodyPr rtlCol="0" anchor="ctr"/>
+          <a:lstStyle/>
+          <a:p>
+            <a:r>
+              <a:rPr lang="en-US" altLang="ko-KR" sz="1000" dirty="0" err="1" smtClean="0">
+                <a:solidFill>
+                  <a:schemeClr val="tx1"/>
+                </a:solidFill>
+              </a:rPr>
+              <a:t>AppHeader</a:t>
+            </a:r>
+            <a:endParaRPr lang="ko-KR" altLang="en-US" sz="1000" dirty="0">
+              <a:solidFill>
+                <a:schemeClr val="tx1"/>
+              </a:solidFill>
+            </a:endParaRPr>
+          </a:p>
+        </p:txBody>
+      </p:sp>
+      <p:sp>
+        <p:nvSpPr>
+          <p:cNvPr id="19" name="모서리가 둥근 직사각형 18"/>
+          <p:cNvSpPr/>
+          <p:nvPr/>
+        </p:nvSpPr>
+        <p:spPr>
+          <a:xfrm>
+            <a:off x="976745" y="1844235"/>
+            <a:ext cx="1349829" cy="335001"/>
+          </a:xfrm>
+          <a:prstGeom prst="roundRect">
+            <a:avLst/>
+          </a:prstGeom>
+          <a:solidFill>
+            <a:schemeClr val="tx2">
+              <a:lumMod val="40000"/>
+              <a:lumOff val="60000"/>
+            </a:schemeClr>
+          </a:solidFill>
+          <a:ln>
+            <a:solidFill>
+              <a:schemeClr val="tx2"/>
+            </a:solidFill>
+          </a:ln>
+        </p:spPr>
+        <p:style>
+          <a:lnRef idx="2">
+            <a:schemeClr val="accent1">
+              <a:shade val="50000"/>
+            </a:schemeClr>
+          </a:lnRef>
+          <a:fillRef idx="1">
+            <a:schemeClr val="accent1"/>
+          </a:fillRef>
+          <a:effectRef idx="0">
+            <a:schemeClr val="accent1"/>
+          </a:effectRef>
+          <a:fontRef idx="minor">
+            <a:schemeClr val="lt1"/>
+          </a:fontRef>
+        </p:style>
+        <p:txBody>
+          <a:bodyPr rtlCol="0" anchor="ctr"/>
+          <a:lstStyle/>
+          <a:p>
+            <a:r>
+              <a:rPr lang="en-US" altLang="ko-KR" sz="1000" dirty="0" smtClean="0">
+                <a:solidFill>
+                  <a:schemeClr val="tx1"/>
+                </a:solidFill>
+              </a:rPr>
+              <a:t>Router View</a:t>
+            </a:r>
+            <a:endParaRPr lang="ko-KR" altLang="en-US" sz="1000" dirty="0">
+              <a:solidFill>
+                <a:schemeClr val="tx1"/>
+              </a:solidFill>
+            </a:endParaRPr>
+          </a:p>
+        </p:txBody>
+      </p:sp>
+      <p:sp>
+        <p:nvSpPr>
+          <p:cNvPr id="20" name="모서리가 둥근 직사각형 19"/>
+          <p:cNvSpPr/>
+          <p:nvPr/>
+        </p:nvSpPr>
+        <p:spPr>
+          <a:xfrm>
+            <a:off x="1862611" y="808458"/>
+            <a:ext cx="1060798" cy="335001"/>
+          </a:xfrm>
+          <a:prstGeom prst="roundRect">
+            <a:avLst/>
+          </a:prstGeom>
+          <a:solidFill>
+            <a:schemeClr val="bg2">
+              <a:lumMod val="75000"/>
+            </a:schemeClr>
+          </a:solidFill>
+          <a:ln>
+            <a:solidFill>
+              <a:schemeClr val="bg2">
+                <a:lumMod val="50000"/>
+              </a:schemeClr>
+            </a:solidFill>
+          </a:ln>
+        </p:spPr>
+        <p:style>
+          <a:lnRef idx="2">
+            <a:schemeClr val="accent1">
+              <a:shade val="50000"/>
+            </a:schemeClr>
+          </a:lnRef>
+          <a:fillRef idx="1">
+            <a:schemeClr val="accent1"/>
+          </a:fillRef>
+          <a:effectRef idx="0">
+            <a:schemeClr val="accent1"/>
+          </a:effectRef>
+          <a:fontRef idx="minor">
+            <a:schemeClr val="lt1"/>
+          </a:fontRef>
+        </p:style>
+        <p:txBody>
+          <a:bodyPr rtlCol="0" anchor="ctr"/>
+          <a:lstStyle/>
+          <a:p>
+            <a:r>
+              <a:rPr lang="en-US" altLang="ko-KR" sz="1000" dirty="0" smtClean="0">
+                <a:solidFill>
+                  <a:schemeClr val="tx1"/>
+                </a:solidFill>
+              </a:rPr>
+              <a:t>Login</a:t>
+            </a:r>
+            <a:endParaRPr lang="ko-KR" altLang="en-US" sz="1000" dirty="0">
+              <a:solidFill>
+                <a:schemeClr val="tx1"/>
+              </a:solidFill>
+            </a:endParaRPr>
+          </a:p>
+        </p:txBody>
+      </p:sp>
+      <p:sp>
+        <p:nvSpPr>
+          <p:cNvPr id="21" name="모서리가 둥근 직사각형 20"/>
+          <p:cNvSpPr/>
+          <p:nvPr/>
+        </p:nvSpPr>
+        <p:spPr>
+          <a:xfrm>
+            <a:off x="1862611" y="1216194"/>
+            <a:ext cx="1060798" cy="481441"/>
+          </a:xfrm>
+          <a:prstGeom prst="roundRect">
+            <a:avLst/>
+          </a:prstGeom>
+          <a:solidFill>
+            <a:schemeClr val="bg2">
+              <a:lumMod val="75000"/>
+            </a:schemeClr>
+          </a:solidFill>
+          <a:ln>
+            <a:solidFill>
+              <a:schemeClr val="bg2">
+                <a:lumMod val="50000"/>
+              </a:schemeClr>
+            </a:solidFill>
+          </a:ln>
+        </p:spPr>
+        <p:style>
+          <a:lnRef idx="2">
+            <a:schemeClr val="accent1">
+              <a:shade val="50000"/>
+            </a:schemeClr>
+          </a:lnRef>
+          <a:fillRef idx="1">
+            <a:schemeClr val="accent1"/>
+          </a:fillRef>
+          <a:effectRef idx="0">
+            <a:schemeClr val="accent1"/>
+          </a:effectRef>
+          <a:fontRef idx="minor">
+            <a:schemeClr val="lt1"/>
+          </a:fontRef>
+        </p:style>
+        <p:txBody>
+          <a:bodyPr rtlCol="0" anchor="ctr"/>
+          <a:lstStyle/>
+          <a:p>
+            <a:r>
+              <a:rPr lang="en-US" altLang="ko-KR" sz="1000" dirty="0" smtClean="0">
+                <a:solidFill>
+                  <a:schemeClr val="tx1"/>
+                </a:solidFill>
+              </a:rPr>
+              <a:t>Signup</a:t>
+            </a:r>
+            <a:endParaRPr lang="ko-KR" altLang="en-US" sz="1000" dirty="0">
+              <a:solidFill>
+                <a:schemeClr val="tx1"/>
+              </a:solidFill>
+            </a:endParaRPr>
+          </a:p>
+        </p:txBody>
+      </p:sp>
+      <p:sp>
+        <p:nvSpPr>
+          <p:cNvPr id="22" name="모서리가 둥근 직사각형 21"/>
+          <p:cNvSpPr/>
+          <p:nvPr/>
+        </p:nvSpPr>
+        <p:spPr>
+          <a:xfrm>
+            <a:off x="2525881" y="1306164"/>
+            <a:ext cx="1060798" cy="294862"/>
+          </a:xfrm>
+          <a:prstGeom prst="roundRect">
+            <a:avLst/>
+          </a:prstGeom>
+          <a:solidFill>
+            <a:schemeClr val="accent6">
+              <a:lumMod val="20000"/>
+              <a:lumOff val="80000"/>
+            </a:schemeClr>
+          </a:solidFill>
+          <a:ln>
+            <a:solidFill>
+              <a:schemeClr val="accent6"/>
+            </a:solidFill>
+          </a:ln>
+        </p:spPr>
+        <p:style>
+          <a:lnRef idx="2">
+            <a:schemeClr val="accent1">
+              <a:shade val="50000"/>
+            </a:schemeClr>
+          </a:lnRef>
+          <a:fillRef idx="1">
+            <a:schemeClr val="accent1"/>
+          </a:fillRef>
+          <a:effectRef idx="0">
+            <a:schemeClr val="accent1"/>
+          </a:effectRef>
+          <a:fontRef idx="minor">
+            <a:schemeClr val="lt1"/>
+          </a:fontRef>
+        </p:style>
+        <p:txBody>
+          <a:bodyPr rtlCol="0" anchor="ctr"/>
+          <a:lstStyle/>
+          <a:p>
+            <a:r>
+              <a:rPr lang="en-US" altLang="ko-KR" sz="1000" dirty="0" err="1" smtClean="0">
+                <a:solidFill>
+                  <a:schemeClr val="tx1"/>
+                </a:solidFill>
+              </a:rPr>
+              <a:t>SignupForm</a:t>
+            </a:r>
+            <a:endParaRPr lang="ko-KR" altLang="en-US" sz="1000" dirty="0">
+              <a:solidFill>
+                <a:schemeClr val="tx1"/>
+              </a:solidFill>
+            </a:endParaRPr>
+          </a:p>
+        </p:txBody>
+      </p:sp>
+      <p:cxnSp>
+        <p:nvCxnSpPr>
+          <p:cNvPr id="23" name="구부러진 연결선 22"/>
+          <p:cNvCxnSpPr>
+            <a:stCxn id="22" idx="0"/>
+            <a:endCxn id="9" idx="1"/>
+          </p:cNvCxnSpPr>
+          <p:nvPr/>
+        </p:nvCxnSpPr>
+        <p:spPr>
+          <a:xfrm rot="5400000" flipH="1" flipV="1">
+            <a:off x="3141590" y="790640"/>
+            <a:ext cx="430215" cy="600835"/>
+          </a:xfrm>
+          <a:prstGeom prst="curvedConnector2">
+            <a:avLst/>
+          </a:prstGeom>
+          <a:ln>
+            <a:solidFill>
+              <a:srgbClr val="FF0000"/>
+            </a:solidFill>
+            <a:headEnd type="triangle" w="med" len="med"/>
+            <a:tailEnd type="triangle" w="med" len="med"/>
+          </a:ln>
+        </p:spPr>
+        <p:style>
+          <a:lnRef idx="1">
+            <a:schemeClr val="accent1"/>
+          </a:lnRef>
+          <a:fillRef idx="0">
+            <a:schemeClr val="accent1"/>
+          </a:fillRef>
+          <a:effectRef idx="0">
+            <a:schemeClr val="accent1"/>
+          </a:effectRef>
+          <a:fontRef idx="minor">
+            <a:schemeClr val="tx1"/>
+          </a:fontRef>
+        </p:style>
+      </p:cxnSp>
+      <p:cxnSp>
+        <p:nvCxnSpPr>
+          <p:cNvPr id="26" name="구부러진 연결선 25"/>
+          <p:cNvCxnSpPr>
+            <a:stCxn id="9" idx="2"/>
+            <a:endCxn id="10" idx="4"/>
+          </p:cNvCxnSpPr>
+          <p:nvPr/>
+        </p:nvCxnSpPr>
+        <p:spPr>
+          <a:xfrm rot="16200000" flipH="1">
+            <a:off x="4031948" y="1323286"/>
+            <a:ext cx="648655" cy="410440"/>
+          </a:xfrm>
+          <a:prstGeom prst="curvedConnector4">
+            <a:avLst>
+              <a:gd name="adj1" fmla="val 13540"/>
+              <a:gd name="adj2" fmla="val 176040"/>
+            </a:avLst>
+          </a:prstGeom>
+          <a:ln>
+            <a:solidFill>
+              <a:srgbClr val="FF0000"/>
+            </a:solidFill>
+            <a:headEnd type="triangle" w="med" len="med"/>
+            <a:tailEnd type="triangle" w="med" len="med"/>
+          </a:ln>
+        </p:spPr>
+        <p:style>
+          <a:lnRef idx="1">
+            <a:schemeClr val="accent1"/>
+          </a:lnRef>
+          <a:fillRef idx="0">
+            <a:schemeClr val="accent1"/>
+          </a:fillRef>
+          <a:effectRef idx="0">
+            <a:schemeClr val="accent1"/>
+          </a:effectRef>
+          <a:fontRef idx="minor">
+            <a:schemeClr val="tx1"/>
+          </a:fontRef>
+        </p:style>
+      </p:cxnSp>
+      <p:sp>
+        <p:nvSpPr>
+          <p:cNvPr id="29" name="직사각형 28"/>
+          <p:cNvSpPr/>
+          <p:nvPr/>
+        </p:nvSpPr>
+        <p:spPr>
+          <a:xfrm>
+            <a:off x="332087" y="262810"/>
+            <a:ext cx="4312907" cy="253736"/>
+          </a:xfrm>
+          <a:prstGeom prst="rect">
+            <a:avLst/>
+          </a:prstGeom>
+        </p:spPr>
+        <p:txBody>
+          <a:bodyPr wrap="square">
+            <a:spAutoFit/>
+          </a:bodyPr>
+          <a:lstStyle/>
+          <a:p>
+            <a:r>
+              <a:rPr lang="en-US" altLang="ko-KR" sz="1000" b="1" dirty="0">
+                <a:latin typeface="+mn-ea"/>
+              </a:rPr>
+              <a:t>* </a:t>
+            </a:r>
+            <a:r>
+              <a:rPr lang="ko-KR" altLang="en-US" sz="1000" b="1" dirty="0" smtClean="0">
+                <a:latin typeface="+mn-ea"/>
+              </a:rPr>
+              <a:t>회원가입 </a:t>
+            </a:r>
+            <a:r>
+              <a:rPr lang="en-US" altLang="ko-KR" sz="1000" b="1" dirty="0" smtClean="0">
+                <a:latin typeface="+mn-ea"/>
+              </a:rPr>
+              <a:t>&gt; </a:t>
+            </a:r>
+            <a:r>
+              <a:rPr lang="ko-KR" altLang="en-US" sz="1000" b="1" dirty="0" err="1" smtClean="0">
+                <a:latin typeface="+mn-ea"/>
+              </a:rPr>
+              <a:t>입력양식에</a:t>
+            </a:r>
+            <a:r>
+              <a:rPr lang="ko-KR" altLang="en-US" sz="1000" b="1" dirty="0" smtClean="0">
+                <a:latin typeface="+mn-ea"/>
+              </a:rPr>
+              <a:t> 대한 </a:t>
+            </a:r>
+            <a:r>
+              <a:rPr lang="ko-KR" altLang="en-US" sz="1000" b="1" dirty="0" err="1" smtClean="0">
+                <a:latin typeface="+mn-ea"/>
+              </a:rPr>
+              <a:t>콤포넌트</a:t>
+            </a:r>
+            <a:r>
+              <a:rPr lang="ko-KR" altLang="en-US" sz="1000" b="1" dirty="0" smtClean="0">
+                <a:latin typeface="+mn-ea"/>
+              </a:rPr>
+              <a:t> 설계서</a:t>
+            </a:r>
+            <a:endParaRPr lang="ko-KR" altLang="en-US" sz="1000" b="1" dirty="0">
+              <a:latin typeface="+mn-ea"/>
+            </a:endParaRPr>
+          </a:p>
+        </p:txBody>
+      </p:sp>
+    </p:spTree>
+    <p:extLst>
+      <p:ext uri="{BB962C8B-B14F-4D97-AF65-F5344CB8AC3E}">
+        <p14:creationId xmlns:p14="http://schemas.microsoft.com/office/powerpoint/2010/main" val="3105369230"/>
+      </p:ext>
+    </p:extLst>
+  </p:cSld>
+  <p:clrMapOvr>
+    <a:masterClrMapping/>
+  </p:clrMapOvr>
+</p:sld>
+</file>
+
 <file path=ppt/slides/slide3.xml><?xml version="1.0" encoding="utf-8"?>
 <p:sld xmlns:a="http://schemas.openxmlformats.org/drawingml/2006/main" xmlns:r="http://schemas.openxmlformats.org/officeDocument/2006/relationships" xmlns:p="http://schemas.openxmlformats.org/presentationml/2006/main">
   <p:cSld>

--- a/images/vue(office).pptx
+++ b/images/vue(office).pptx
@@ -12765,6 +12765,312 @@
           </a:p>
         </p:txBody>
       </p:sp>
+      <p:sp>
+        <p:nvSpPr>
+          <p:cNvPr id="14" name="모서리가 둥근 직사각형 13"/>
+          <p:cNvSpPr/>
+          <p:nvPr/>
+        </p:nvSpPr>
+        <p:spPr>
+          <a:xfrm>
+            <a:off x="5138933" y="211786"/>
+            <a:ext cx="6322240" cy="3092523"/>
+          </a:xfrm>
+          <a:prstGeom prst="roundRect">
+            <a:avLst>
+              <a:gd name="adj" fmla="val 1880"/>
+            </a:avLst>
+          </a:prstGeom>
+          <a:solidFill>
+            <a:schemeClr val="bg1">
+              <a:lumMod val="85000"/>
+            </a:schemeClr>
+          </a:solidFill>
+          <a:ln>
+            <a:solidFill>
+              <a:schemeClr val="tx1"/>
+            </a:solidFill>
+          </a:ln>
+        </p:spPr>
+        <p:style>
+          <a:lnRef idx="2">
+            <a:schemeClr val="accent1">
+              <a:shade val="50000"/>
+            </a:schemeClr>
+          </a:lnRef>
+          <a:fillRef idx="1">
+            <a:schemeClr val="accent1"/>
+          </a:fillRef>
+          <a:effectRef idx="0">
+            <a:schemeClr val="accent1"/>
+          </a:effectRef>
+          <a:fontRef idx="minor">
+            <a:schemeClr val="lt1"/>
+          </a:fontRef>
+        </p:style>
+        <p:txBody>
+          <a:bodyPr rtlCol="0" anchor="ctr"/>
+          <a:lstStyle/>
+          <a:p>
+            <a:pPr algn="ctr"/>
+            <a:endParaRPr lang="ko-KR" altLang="en-US" dirty="0"/>
+          </a:p>
+        </p:txBody>
+      </p:sp>
+      <p:sp>
+        <p:nvSpPr>
+          <p:cNvPr id="15" name="직사각형 14"/>
+          <p:cNvSpPr/>
+          <p:nvPr/>
+        </p:nvSpPr>
+        <p:spPr>
+          <a:xfrm>
+            <a:off x="5288550" y="262810"/>
+            <a:ext cx="4312907" cy="253736"/>
+          </a:xfrm>
+          <a:prstGeom prst="rect">
+            <a:avLst/>
+          </a:prstGeom>
+        </p:spPr>
+        <p:txBody>
+          <a:bodyPr wrap="square">
+            <a:spAutoFit/>
+          </a:bodyPr>
+          <a:lstStyle/>
+          <a:p>
+            <a:r>
+              <a:rPr lang="en-US" altLang="ko-KR" sz="1000" b="1" dirty="0">
+                <a:latin typeface="+mn-ea"/>
+              </a:rPr>
+              <a:t>* </a:t>
+            </a:r>
+            <a:r>
+              <a:rPr lang="en-US" altLang="ko-KR" sz="1000" b="1" dirty="0" smtClean="0">
+                <a:latin typeface="+mn-ea"/>
+              </a:rPr>
+              <a:t>`.</a:t>
+            </a:r>
+            <a:r>
+              <a:rPr lang="en-US" altLang="ko-KR" sz="1000" b="1" dirty="0" err="1" smtClean="0">
+                <a:latin typeface="+mn-ea"/>
+              </a:rPr>
+              <a:t>env</a:t>
+            </a:r>
+            <a:r>
+              <a:rPr lang="en-US" altLang="ko-KR" sz="1000" b="1" dirty="0" smtClean="0">
+                <a:latin typeface="+mn-ea"/>
+              </a:rPr>
+              <a:t>` </a:t>
+            </a:r>
+            <a:r>
+              <a:rPr lang="ko-KR" altLang="en-US" sz="1000" b="1" dirty="0" smtClean="0">
+                <a:latin typeface="+mn-ea"/>
+              </a:rPr>
+              <a:t>파일을 사용하여 전역에서 </a:t>
+            </a:r>
+            <a:r>
+              <a:rPr lang="ko-KR" altLang="en-US" sz="1000" b="1" dirty="0" err="1" smtClean="0">
+                <a:latin typeface="+mn-ea"/>
+              </a:rPr>
+              <a:t>사용가능한</a:t>
+            </a:r>
+            <a:r>
+              <a:rPr lang="ko-KR" altLang="en-US" sz="1000" b="1" dirty="0" smtClean="0">
+                <a:latin typeface="+mn-ea"/>
+              </a:rPr>
+              <a:t> 환경 변수 설정</a:t>
+            </a:r>
+            <a:endParaRPr lang="ko-KR" altLang="en-US" sz="1000" b="1" dirty="0">
+              <a:latin typeface="+mn-ea"/>
+            </a:endParaRPr>
+          </a:p>
+        </p:txBody>
+      </p:sp>
+      <p:pic>
+        <p:nvPicPr>
+          <p:cNvPr id="2" name="그림 1"/>
+          <p:cNvPicPr>
+            <a:picLocks noChangeAspect="1"/>
+          </p:cNvPicPr>
+          <p:nvPr/>
+        </p:nvPicPr>
+        <p:blipFill>
+          <a:blip r:embed="rId2"/>
+          <a:stretch>
+            <a:fillRect/>
+          </a:stretch>
+        </p:blipFill>
+        <p:spPr>
+          <a:xfrm>
+            <a:off x="5323414" y="567570"/>
+            <a:ext cx="3030878" cy="2336160"/>
+          </a:xfrm>
+          <a:prstGeom prst="rect">
+            <a:avLst/>
+          </a:prstGeom>
+        </p:spPr>
+      </p:pic>
+      <p:pic>
+        <p:nvPicPr>
+          <p:cNvPr id="3" name="그림 2"/>
+          <p:cNvPicPr>
+            <a:picLocks noChangeAspect="1"/>
+          </p:cNvPicPr>
+          <p:nvPr/>
+        </p:nvPicPr>
+        <p:blipFill>
+          <a:blip r:embed="rId3"/>
+          <a:stretch>
+            <a:fillRect/>
+          </a:stretch>
+        </p:blipFill>
+        <p:spPr>
+          <a:xfrm>
+            <a:off x="8449108" y="567570"/>
+            <a:ext cx="2832964" cy="2336160"/>
+          </a:xfrm>
+          <a:prstGeom prst="rect">
+            <a:avLst/>
+          </a:prstGeom>
+        </p:spPr>
+      </p:pic>
+      <p:sp>
+        <p:nvSpPr>
+          <p:cNvPr id="24" name="직사각형 23"/>
+          <p:cNvSpPr/>
+          <p:nvPr/>
+        </p:nvSpPr>
+        <p:spPr>
+          <a:xfrm>
+            <a:off x="8697191" y="1319608"/>
+            <a:ext cx="2348345" cy="467590"/>
+          </a:xfrm>
+          <a:prstGeom prst="rect">
+            <a:avLst/>
+          </a:prstGeom>
+          <a:solidFill>
+            <a:srgbClr val="FFFF00">
+              <a:alpha val="50000"/>
+            </a:srgbClr>
+          </a:solidFill>
+          <a:ln w="9525">
+            <a:solidFill>
+              <a:srgbClr val="FF0000"/>
+            </a:solidFill>
+          </a:ln>
+        </p:spPr>
+        <p:style>
+          <a:lnRef idx="2">
+            <a:schemeClr val="accent1">
+              <a:shade val="50000"/>
+            </a:schemeClr>
+          </a:lnRef>
+          <a:fillRef idx="1">
+            <a:schemeClr val="accent1"/>
+          </a:fillRef>
+          <a:effectRef idx="0">
+            <a:schemeClr val="accent1"/>
+          </a:effectRef>
+          <a:fontRef idx="minor">
+            <a:schemeClr val="lt1"/>
+          </a:fontRef>
+        </p:style>
+        <p:txBody>
+          <a:bodyPr rtlCol="0" anchor="ctr"/>
+          <a:lstStyle/>
+          <a:p>
+            <a:pPr algn="ctr"/>
+            <a:endParaRPr lang="ko-KR" altLang="en-US"/>
+          </a:p>
+        </p:txBody>
+      </p:sp>
+      <p:sp>
+        <p:nvSpPr>
+          <p:cNvPr id="25" name="직사각형 24"/>
+          <p:cNvSpPr/>
+          <p:nvPr/>
+        </p:nvSpPr>
+        <p:spPr>
+          <a:xfrm>
+            <a:off x="5288550" y="2954754"/>
+            <a:ext cx="5528386" cy="246221"/>
+          </a:xfrm>
+          <a:prstGeom prst="rect">
+            <a:avLst/>
+          </a:prstGeom>
+        </p:spPr>
+        <p:txBody>
+          <a:bodyPr wrap="square">
+            <a:spAutoFit/>
+          </a:bodyPr>
+          <a:lstStyle/>
+          <a:p>
+            <a:r>
+              <a:rPr lang="en-US" altLang="ko-KR" sz="1000" b="1" dirty="0">
+                <a:latin typeface="+mn-ea"/>
+              </a:rPr>
+              <a:t>* </a:t>
+            </a:r>
+            <a:r>
+              <a:rPr lang="en-US" altLang="ko-KR" sz="1000" b="1" dirty="0" err="1" smtClean="0">
+                <a:latin typeface="+mn-ea"/>
+              </a:rPr>
+              <a:t>npm</a:t>
+            </a:r>
+            <a:r>
+              <a:rPr lang="en-US" altLang="ko-KR" sz="1000" b="1" dirty="0" smtClean="0">
+                <a:latin typeface="+mn-ea"/>
+              </a:rPr>
+              <a:t> </a:t>
+            </a:r>
+            <a:r>
+              <a:rPr lang="ko-KR" altLang="en-US" sz="1000" b="1" dirty="0" smtClean="0">
+                <a:latin typeface="+mn-ea"/>
+              </a:rPr>
+              <a:t>빌드 옵션에 따라서 </a:t>
+            </a:r>
+            <a:r>
+              <a:rPr lang="en-US" altLang="ko-KR" sz="1000" b="1" dirty="0" smtClean="0">
+                <a:latin typeface="+mn-ea"/>
+              </a:rPr>
+              <a:t>.</a:t>
+            </a:r>
+            <a:r>
+              <a:rPr lang="en-US" altLang="ko-KR" sz="1000" b="1" dirty="0" err="1" smtClean="0">
+                <a:latin typeface="+mn-ea"/>
+              </a:rPr>
+              <a:t>env</a:t>
+            </a:r>
+            <a:r>
+              <a:rPr lang="en-US" altLang="ko-KR" sz="1000" b="1" dirty="0" smtClean="0">
+                <a:latin typeface="+mn-ea"/>
+              </a:rPr>
+              <a:t> &gt; .</a:t>
+            </a:r>
+            <a:r>
+              <a:rPr lang="en-US" altLang="ko-KR" sz="1000" b="1" dirty="0" err="1" smtClean="0">
+                <a:latin typeface="+mn-ea"/>
+              </a:rPr>
+              <a:t>env.development</a:t>
+            </a:r>
+            <a:r>
+              <a:rPr lang="en-US" altLang="ko-KR" sz="1000" b="1" dirty="0" smtClean="0">
+                <a:latin typeface="+mn-ea"/>
+              </a:rPr>
+              <a:t> &gt; .</a:t>
+            </a:r>
+            <a:r>
+              <a:rPr lang="en-US" altLang="ko-KR" sz="1000" b="1" dirty="0" err="1" smtClean="0">
+                <a:latin typeface="+mn-ea"/>
+              </a:rPr>
+              <a:t>env.production</a:t>
+            </a:r>
+            <a:endParaRPr lang="ko-KR" altLang="en-US" sz="1000" b="1" dirty="0">
+              <a:latin typeface="+mn-ea"/>
+            </a:endParaRPr>
+          </a:p>
+        </p:txBody>
+      </p:sp>
     </p:spTree>
     <p:extLst>
       <p:ext uri="{BB962C8B-B14F-4D97-AF65-F5344CB8AC3E}">

--- a/images/vue(office).pptx
+++ b/images/vue(office).pptx
@@ -273,7 +273,7 @@
           <a:p>
             <a:fld id="{D669FA1A-B387-4C47-9841-2D1A9ED4BFE2}" type="datetimeFigureOut">
               <a:rPr lang="ko-KR" altLang="en-US" smtClean="0"/>
-              <a:t>2021-11-02</a:t>
+              <a:t>2021-11-03</a:t>
             </a:fld>
             <a:endParaRPr lang="ko-KR" altLang="en-US"/>
           </a:p>
@@ -443,7 +443,7 @@
           <a:p>
             <a:fld id="{D669FA1A-B387-4C47-9841-2D1A9ED4BFE2}" type="datetimeFigureOut">
               <a:rPr lang="ko-KR" altLang="en-US" smtClean="0"/>
-              <a:t>2021-11-02</a:t>
+              <a:t>2021-11-03</a:t>
             </a:fld>
             <a:endParaRPr lang="ko-KR" altLang="en-US"/>
           </a:p>
@@ -623,7 +623,7 @@
           <a:p>
             <a:fld id="{D669FA1A-B387-4C47-9841-2D1A9ED4BFE2}" type="datetimeFigureOut">
               <a:rPr lang="ko-KR" altLang="en-US" smtClean="0"/>
-              <a:t>2021-11-02</a:t>
+              <a:t>2021-11-03</a:t>
             </a:fld>
             <a:endParaRPr lang="ko-KR" altLang="en-US"/>
           </a:p>
@@ -793,7 +793,7 @@
           <a:p>
             <a:fld id="{D669FA1A-B387-4C47-9841-2D1A9ED4BFE2}" type="datetimeFigureOut">
               <a:rPr lang="ko-KR" altLang="en-US" smtClean="0"/>
-              <a:t>2021-11-02</a:t>
+              <a:t>2021-11-03</a:t>
             </a:fld>
             <a:endParaRPr lang="ko-KR" altLang="en-US"/>
           </a:p>
@@ -1039,7 +1039,7 @@
           <a:p>
             <a:fld id="{D669FA1A-B387-4C47-9841-2D1A9ED4BFE2}" type="datetimeFigureOut">
               <a:rPr lang="ko-KR" altLang="en-US" smtClean="0"/>
-              <a:t>2021-11-02</a:t>
+              <a:t>2021-11-03</a:t>
             </a:fld>
             <a:endParaRPr lang="ko-KR" altLang="en-US"/>
           </a:p>
@@ -1271,7 +1271,7 @@
           <a:p>
             <a:fld id="{D669FA1A-B387-4C47-9841-2D1A9ED4BFE2}" type="datetimeFigureOut">
               <a:rPr lang="ko-KR" altLang="en-US" smtClean="0"/>
-              <a:t>2021-11-02</a:t>
+              <a:t>2021-11-03</a:t>
             </a:fld>
             <a:endParaRPr lang="ko-KR" altLang="en-US"/>
           </a:p>
@@ -1638,7 +1638,7 @@
           <a:p>
             <a:fld id="{D669FA1A-B387-4C47-9841-2D1A9ED4BFE2}" type="datetimeFigureOut">
               <a:rPr lang="ko-KR" altLang="en-US" smtClean="0"/>
-              <a:t>2021-11-02</a:t>
+              <a:t>2021-11-03</a:t>
             </a:fld>
             <a:endParaRPr lang="ko-KR" altLang="en-US"/>
           </a:p>
@@ -1756,7 +1756,7 @@
           <a:p>
             <a:fld id="{D669FA1A-B387-4C47-9841-2D1A9ED4BFE2}" type="datetimeFigureOut">
               <a:rPr lang="ko-KR" altLang="en-US" smtClean="0"/>
-              <a:t>2021-11-02</a:t>
+              <a:t>2021-11-03</a:t>
             </a:fld>
             <a:endParaRPr lang="ko-KR" altLang="en-US"/>
           </a:p>
@@ -1851,7 +1851,7 @@
           <a:p>
             <a:fld id="{D669FA1A-B387-4C47-9841-2D1A9ED4BFE2}" type="datetimeFigureOut">
               <a:rPr lang="ko-KR" altLang="en-US" smtClean="0"/>
-              <a:t>2021-11-02</a:t>
+              <a:t>2021-11-03</a:t>
             </a:fld>
             <a:endParaRPr lang="ko-KR" altLang="en-US"/>
           </a:p>
@@ -2128,7 +2128,7 @@
           <a:p>
             <a:fld id="{D669FA1A-B387-4C47-9841-2D1A9ED4BFE2}" type="datetimeFigureOut">
               <a:rPr lang="ko-KR" altLang="en-US" smtClean="0"/>
-              <a:t>2021-11-02</a:t>
+              <a:t>2021-11-03</a:t>
             </a:fld>
             <a:endParaRPr lang="ko-KR" altLang="en-US"/>
           </a:p>
@@ -2381,7 +2381,7 @@
           <a:p>
             <a:fld id="{D669FA1A-B387-4C47-9841-2D1A9ED4BFE2}" type="datetimeFigureOut">
               <a:rPr lang="ko-KR" altLang="en-US" smtClean="0"/>
-              <a:t>2021-11-02</a:t>
+              <a:t>2021-11-03</a:t>
             </a:fld>
             <a:endParaRPr lang="ko-KR" altLang="en-US"/>
           </a:p>
@@ -2594,7 +2594,7 @@
           <a:p>
             <a:fld id="{D669FA1A-B387-4C47-9841-2D1A9ED4BFE2}" type="datetimeFigureOut">
               <a:rPr lang="ko-KR" altLang="en-US" smtClean="0"/>
-              <a:t>2021-11-02</a:t>
+              <a:t>2021-11-03</a:t>
             </a:fld>
             <a:endParaRPr lang="ko-KR" altLang="en-US"/>
           </a:p>
@@ -13071,6 +13071,724 @@
           </a:p>
         </p:txBody>
       </p:sp>
+      <p:sp>
+        <p:nvSpPr>
+          <p:cNvPr id="27" name="모서리가 둥근 직사각형 26"/>
+          <p:cNvSpPr/>
+          <p:nvPr/>
+        </p:nvSpPr>
+        <p:spPr>
+          <a:xfrm>
+            <a:off x="278215" y="3703132"/>
+            <a:ext cx="4480822" cy="2271641"/>
+          </a:xfrm>
+          <a:prstGeom prst="roundRect">
+            <a:avLst>
+              <a:gd name="adj" fmla="val 1880"/>
+            </a:avLst>
+          </a:prstGeom>
+          <a:solidFill>
+            <a:schemeClr val="bg1">
+              <a:lumMod val="85000"/>
+            </a:schemeClr>
+          </a:solidFill>
+          <a:ln>
+            <a:solidFill>
+              <a:schemeClr val="tx1"/>
+            </a:solidFill>
+          </a:ln>
+        </p:spPr>
+        <p:style>
+          <a:lnRef idx="2">
+            <a:schemeClr val="accent1">
+              <a:shade val="50000"/>
+            </a:schemeClr>
+          </a:lnRef>
+          <a:fillRef idx="1">
+            <a:schemeClr val="accent1"/>
+          </a:fillRef>
+          <a:effectRef idx="0">
+            <a:schemeClr val="accent1"/>
+          </a:effectRef>
+          <a:fontRef idx="minor">
+            <a:schemeClr val="lt1"/>
+          </a:fontRef>
+        </p:style>
+        <p:txBody>
+          <a:bodyPr rtlCol="0" anchor="ctr"/>
+          <a:lstStyle/>
+          <a:p>
+            <a:pPr algn="ctr"/>
+            <a:endParaRPr lang="ko-KR" altLang="en-US" dirty="0"/>
+          </a:p>
+        </p:txBody>
+      </p:sp>
+      <p:sp>
+        <p:nvSpPr>
+          <p:cNvPr id="28" name="모서리가 둥근 직사각형 27"/>
+          <p:cNvSpPr/>
+          <p:nvPr/>
+        </p:nvSpPr>
+        <p:spPr>
+          <a:xfrm>
+            <a:off x="3657115" y="4039064"/>
+            <a:ext cx="987879" cy="656461"/>
+          </a:xfrm>
+          <a:prstGeom prst="roundRect">
+            <a:avLst/>
+          </a:prstGeom>
+          <a:solidFill>
+            <a:schemeClr val="accent6">
+              <a:lumMod val="40000"/>
+              <a:lumOff val="60000"/>
+            </a:schemeClr>
+          </a:solidFill>
+          <a:ln>
+            <a:solidFill>
+              <a:schemeClr val="accent6"/>
+            </a:solidFill>
+          </a:ln>
+        </p:spPr>
+        <p:style>
+          <a:lnRef idx="2">
+            <a:schemeClr val="accent1">
+              <a:shade val="50000"/>
+            </a:schemeClr>
+          </a:lnRef>
+          <a:fillRef idx="1">
+            <a:schemeClr val="accent1"/>
+          </a:fillRef>
+          <a:effectRef idx="0">
+            <a:schemeClr val="accent1"/>
+          </a:effectRef>
+          <a:fontRef idx="minor">
+            <a:schemeClr val="lt1"/>
+          </a:fontRef>
+        </p:style>
+        <p:txBody>
+          <a:bodyPr rtlCol="0" anchor="ctr"/>
+          <a:lstStyle/>
+          <a:p>
+            <a:pPr algn="ctr"/>
+            <a:r>
+              <a:rPr lang="en-US" altLang="ko-KR" dirty="0" smtClean="0">
+                <a:solidFill>
+                  <a:schemeClr val="tx1"/>
+                </a:solidFill>
+              </a:rPr>
+              <a:t>API</a:t>
+            </a:r>
+            <a:endParaRPr lang="ko-KR" altLang="en-US" dirty="0">
+              <a:solidFill>
+                <a:schemeClr val="tx1"/>
+              </a:solidFill>
+            </a:endParaRPr>
+          </a:p>
+        </p:txBody>
+      </p:sp>
+      <p:sp>
+        <p:nvSpPr>
+          <p:cNvPr id="30" name="순서도: 자기 디스크 29"/>
+          <p:cNvSpPr/>
+          <p:nvPr/>
+        </p:nvSpPr>
+        <p:spPr>
+          <a:xfrm>
+            <a:off x="3740613" y="4871178"/>
+            <a:ext cx="820882" cy="946004"/>
+          </a:xfrm>
+          <a:prstGeom prst="flowChartMagneticDisk">
+            <a:avLst/>
+          </a:prstGeom>
+          <a:solidFill>
+            <a:schemeClr val="accent5">
+              <a:lumMod val="20000"/>
+              <a:lumOff val="80000"/>
+            </a:schemeClr>
+          </a:solidFill>
+        </p:spPr>
+        <p:style>
+          <a:lnRef idx="2">
+            <a:schemeClr val="accent1">
+              <a:shade val="50000"/>
+            </a:schemeClr>
+          </a:lnRef>
+          <a:fillRef idx="1">
+            <a:schemeClr val="accent1"/>
+          </a:fillRef>
+          <a:effectRef idx="0">
+            <a:schemeClr val="accent1"/>
+          </a:effectRef>
+          <a:fontRef idx="minor">
+            <a:schemeClr val="lt1"/>
+          </a:fontRef>
+        </p:style>
+        <p:txBody>
+          <a:bodyPr rtlCol="0" anchor="ctr"/>
+          <a:lstStyle/>
+          <a:p>
+            <a:pPr algn="ctr"/>
+            <a:r>
+              <a:rPr lang="en-US" altLang="ko-KR" sz="1000" dirty="0" smtClean="0">
+                <a:solidFill>
+                  <a:schemeClr val="tx1"/>
+                </a:solidFill>
+              </a:rPr>
+              <a:t>MongoDB</a:t>
+            </a:r>
+          </a:p>
+          <a:p>
+            <a:pPr algn="ctr"/>
+            <a:r>
+              <a:rPr lang="en-US" altLang="ko-KR" sz="1000" dirty="0" smtClean="0">
+                <a:solidFill>
+                  <a:schemeClr val="tx1"/>
+                </a:solidFill>
+              </a:rPr>
+              <a:t>(Cloud)</a:t>
+            </a:r>
+            <a:endParaRPr lang="ko-KR" altLang="en-US" sz="1000" dirty="0">
+              <a:solidFill>
+                <a:schemeClr val="tx1"/>
+              </a:solidFill>
+            </a:endParaRPr>
+          </a:p>
+        </p:txBody>
+      </p:sp>
+      <p:sp>
+        <p:nvSpPr>
+          <p:cNvPr id="31" name="모서리가 둥근 직사각형 30"/>
+          <p:cNvSpPr/>
+          <p:nvPr/>
+        </p:nvSpPr>
+        <p:spPr>
+          <a:xfrm>
+            <a:off x="379911" y="4039064"/>
+            <a:ext cx="1349829" cy="1778118"/>
+          </a:xfrm>
+          <a:prstGeom prst="roundRect">
+            <a:avLst/>
+          </a:prstGeom>
+          <a:solidFill>
+            <a:schemeClr val="accent4">
+              <a:lumMod val="40000"/>
+              <a:lumOff val="60000"/>
+            </a:schemeClr>
+          </a:solidFill>
+          <a:ln>
+            <a:solidFill>
+              <a:schemeClr val="accent4"/>
+            </a:solidFill>
+          </a:ln>
+        </p:spPr>
+        <p:style>
+          <a:lnRef idx="2">
+            <a:schemeClr val="accent1">
+              <a:shade val="50000"/>
+            </a:schemeClr>
+          </a:lnRef>
+          <a:fillRef idx="1">
+            <a:schemeClr val="accent1"/>
+          </a:fillRef>
+          <a:effectRef idx="0">
+            <a:schemeClr val="accent1"/>
+          </a:effectRef>
+          <a:fontRef idx="minor">
+            <a:schemeClr val="lt1"/>
+          </a:fontRef>
+        </p:style>
+        <p:txBody>
+          <a:bodyPr rtlCol="0" anchor="ctr"/>
+          <a:lstStyle/>
+          <a:p>
+            <a:r>
+              <a:rPr lang="en-US" altLang="ko-KR" sz="1000" dirty="0" smtClean="0">
+                <a:solidFill>
+                  <a:schemeClr val="tx1"/>
+                </a:solidFill>
+              </a:rPr>
+              <a:t>App</a:t>
+            </a:r>
+            <a:endParaRPr lang="ko-KR" altLang="en-US" sz="1000" dirty="0">
+              <a:solidFill>
+                <a:schemeClr val="tx1"/>
+              </a:solidFill>
+            </a:endParaRPr>
+          </a:p>
+        </p:txBody>
+      </p:sp>
+      <p:sp>
+        <p:nvSpPr>
+          <p:cNvPr id="32" name="모서리가 둥근 직사각형 31"/>
+          <p:cNvSpPr/>
+          <p:nvPr/>
+        </p:nvSpPr>
+        <p:spPr>
+          <a:xfrm>
+            <a:off x="976745" y="4208320"/>
+            <a:ext cx="1349829" cy="1054526"/>
+          </a:xfrm>
+          <a:prstGeom prst="roundRect">
+            <a:avLst/>
+          </a:prstGeom>
+          <a:solidFill>
+            <a:schemeClr val="accent1">
+              <a:lumMod val="40000"/>
+              <a:lumOff val="60000"/>
+            </a:schemeClr>
+          </a:solidFill>
+          <a:ln>
+            <a:solidFill>
+              <a:schemeClr val="accent1"/>
+            </a:solidFill>
+          </a:ln>
+        </p:spPr>
+        <p:style>
+          <a:lnRef idx="2">
+            <a:schemeClr val="accent1">
+              <a:shade val="50000"/>
+            </a:schemeClr>
+          </a:lnRef>
+          <a:fillRef idx="1">
+            <a:schemeClr val="accent1"/>
+          </a:fillRef>
+          <a:effectRef idx="0">
+            <a:schemeClr val="accent1"/>
+          </a:effectRef>
+          <a:fontRef idx="minor">
+            <a:schemeClr val="lt1"/>
+          </a:fontRef>
+        </p:style>
+        <p:txBody>
+          <a:bodyPr rtlCol="0" anchor="ctr"/>
+          <a:lstStyle/>
+          <a:p>
+            <a:r>
+              <a:rPr lang="en-US" altLang="ko-KR" sz="1000" dirty="0" err="1" smtClean="0">
+                <a:solidFill>
+                  <a:schemeClr val="tx1"/>
+                </a:solidFill>
+              </a:rPr>
+              <a:t>AppHeader</a:t>
+            </a:r>
+            <a:endParaRPr lang="ko-KR" altLang="en-US" sz="1000" dirty="0">
+              <a:solidFill>
+                <a:schemeClr val="tx1"/>
+              </a:solidFill>
+            </a:endParaRPr>
+          </a:p>
+        </p:txBody>
+      </p:sp>
+      <p:sp>
+        <p:nvSpPr>
+          <p:cNvPr id="33" name="모서리가 둥근 직사각형 32"/>
+          <p:cNvSpPr/>
+          <p:nvPr/>
+        </p:nvSpPr>
+        <p:spPr>
+          <a:xfrm>
+            <a:off x="976745" y="5335581"/>
+            <a:ext cx="1349829" cy="335001"/>
+          </a:xfrm>
+          <a:prstGeom prst="roundRect">
+            <a:avLst/>
+          </a:prstGeom>
+          <a:solidFill>
+            <a:schemeClr val="tx2">
+              <a:lumMod val="40000"/>
+              <a:lumOff val="60000"/>
+            </a:schemeClr>
+          </a:solidFill>
+          <a:ln>
+            <a:solidFill>
+              <a:schemeClr val="tx2"/>
+            </a:solidFill>
+          </a:ln>
+        </p:spPr>
+        <p:style>
+          <a:lnRef idx="2">
+            <a:schemeClr val="accent1">
+              <a:shade val="50000"/>
+            </a:schemeClr>
+          </a:lnRef>
+          <a:fillRef idx="1">
+            <a:schemeClr val="accent1"/>
+          </a:fillRef>
+          <a:effectRef idx="0">
+            <a:schemeClr val="accent1"/>
+          </a:effectRef>
+          <a:fontRef idx="minor">
+            <a:schemeClr val="lt1"/>
+          </a:fontRef>
+        </p:style>
+        <p:txBody>
+          <a:bodyPr rtlCol="0" anchor="ctr"/>
+          <a:lstStyle/>
+          <a:p>
+            <a:r>
+              <a:rPr lang="en-US" altLang="ko-KR" sz="1000" dirty="0" smtClean="0">
+                <a:solidFill>
+                  <a:schemeClr val="tx1"/>
+                </a:solidFill>
+              </a:rPr>
+              <a:t>Router View</a:t>
+            </a:r>
+            <a:endParaRPr lang="ko-KR" altLang="en-US" sz="1000" dirty="0">
+              <a:solidFill>
+                <a:schemeClr val="tx1"/>
+              </a:solidFill>
+            </a:endParaRPr>
+          </a:p>
+        </p:txBody>
+      </p:sp>
+      <p:sp>
+        <p:nvSpPr>
+          <p:cNvPr id="34" name="모서리가 둥근 직사각형 33"/>
+          <p:cNvSpPr/>
+          <p:nvPr/>
+        </p:nvSpPr>
+        <p:spPr>
+          <a:xfrm>
+            <a:off x="1860697" y="4294336"/>
+            <a:ext cx="1060798" cy="481442"/>
+          </a:xfrm>
+          <a:prstGeom prst="roundRect">
+            <a:avLst/>
+          </a:prstGeom>
+          <a:solidFill>
+            <a:schemeClr val="bg2">
+              <a:lumMod val="75000"/>
+            </a:schemeClr>
+          </a:solidFill>
+          <a:ln>
+            <a:solidFill>
+              <a:schemeClr val="bg2">
+                <a:lumMod val="50000"/>
+              </a:schemeClr>
+            </a:solidFill>
+          </a:ln>
+        </p:spPr>
+        <p:style>
+          <a:lnRef idx="2">
+            <a:schemeClr val="accent1">
+              <a:shade val="50000"/>
+            </a:schemeClr>
+          </a:lnRef>
+          <a:fillRef idx="1">
+            <a:schemeClr val="accent1"/>
+          </a:fillRef>
+          <a:effectRef idx="0">
+            <a:schemeClr val="accent1"/>
+          </a:effectRef>
+          <a:fontRef idx="minor">
+            <a:schemeClr val="lt1"/>
+          </a:fontRef>
+        </p:style>
+        <p:txBody>
+          <a:bodyPr rtlCol="0" anchor="ctr"/>
+          <a:lstStyle/>
+          <a:p>
+            <a:r>
+              <a:rPr lang="en-US" altLang="ko-KR" sz="1000" dirty="0" err="1" smtClean="0">
+                <a:solidFill>
+                  <a:schemeClr val="tx1"/>
+                </a:solidFill>
+              </a:rPr>
+              <a:t>LoginPage</a:t>
+            </a:r>
+            <a:endParaRPr lang="ko-KR" altLang="en-US" sz="1000" dirty="0">
+              <a:solidFill>
+                <a:schemeClr val="tx1"/>
+              </a:solidFill>
+            </a:endParaRPr>
+          </a:p>
+        </p:txBody>
+      </p:sp>
+      <p:sp>
+        <p:nvSpPr>
+          <p:cNvPr id="35" name="모서리가 둥근 직사각형 34"/>
+          <p:cNvSpPr/>
+          <p:nvPr/>
+        </p:nvSpPr>
+        <p:spPr>
+          <a:xfrm>
+            <a:off x="1862611" y="4871178"/>
+            <a:ext cx="1060798" cy="317803"/>
+          </a:xfrm>
+          <a:prstGeom prst="roundRect">
+            <a:avLst/>
+          </a:prstGeom>
+          <a:solidFill>
+            <a:schemeClr val="bg2">
+              <a:lumMod val="75000"/>
+            </a:schemeClr>
+          </a:solidFill>
+          <a:ln>
+            <a:solidFill>
+              <a:schemeClr val="bg2">
+                <a:lumMod val="50000"/>
+              </a:schemeClr>
+            </a:solidFill>
+          </a:ln>
+        </p:spPr>
+        <p:style>
+          <a:lnRef idx="2">
+            <a:schemeClr val="accent1">
+              <a:shade val="50000"/>
+            </a:schemeClr>
+          </a:lnRef>
+          <a:fillRef idx="1">
+            <a:schemeClr val="accent1"/>
+          </a:fillRef>
+          <a:effectRef idx="0">
+            <a:schemeClr val="accent1"/>
+          </a:effectRef>
+          <a:fontRef idx="minor">
+            <a:schemeClr val="lt1"/>
+          </a:fontRef>
+        </p:style>
+        <p:txBody>
+          <a:bodyPr rtlCol="0" anchor="ctr"/>
+          <a:lstStyle/>
+          <a:p>
+            <a:r>
+              <a:rPr lang="en-US" altLang="ko-KR" sz="1000" dirty="0" err="1" smtClean="0">
+                <a:solidFill>
+                  <a:schemeClr val="tx1"/>
+                </a:solidFill>
+              </a:rPr>
+              <a:t>SignupPage</a:t>
+            </a:r>
+            <a:endParaRPr lang="ko-KR" altLang="en-US" sz="1000" dirty="0">
+              <a:solidFill>
+                <a:schemeClr val="tx1"/>
+              </a:solidFill>
+            </a:endParaRPr>
+          </a:p>
+        </p:txBody>
+      </p:sp>
+      <p:sp>
+        <p:nvSpPr>
+          <p:cNvPr id="36" name="모서리가 둥근 직사각형 35"/>
+          <p:cNvSpPr/>
+          <p:nvPr/>
+        </p:nvSpPr>
+        <p:spPr>
+          <a:xfrm>
+            <a:off x="2625719" y="4387626"/>
+            <a:ext cx="853465" cy="294862"/>
+          </a:xfrm>
+          <a:prstGeom prst="roundRect">
+            <a:avLst/>
+          </a:prstGeom>
+          <a:solidFill>
+            <a:schemeClr val="accent6">
+              <a:lumMod val="20000"/>
+              <a:lumOff val="80000"/>
+            </a:schemeClr>
+          </a:solidFill>
+          <a:ln>
+            <a:solidFill>
+              <a:schemeClr val="accent6"/>
+            </a:solidFill>
+          </a:ln>
+        </p:spPr>
+        <p:style>
+          <a:lnRef idx="2">
+            <a:schemeClr val="accent1">
+              <a:shade val="50000"/>
+            </a:schemeClr>
+          </a:lnRef>
+          <a:fillRef idx="1">
+            <a:schemeClr val="accent1"/>
+          </a:fillRef>
+          <a:effectRef idx="0">
+            <a:schemeClr val="accent1"/>
+          </a:effectRef>
+          <a:fontRef idx="minor">
+            <a:schemeClr val="lt1"/>
+          </a:fontRef>
+        </p:style>
+        <p:txBody>
+          <a:bodyPr rtlCol="0" anchor="ctr"/>
+          <a:lstStyle/>
+          <a:p>
+            <a:r>
+              <a:rPr lang="en-US" altLang="ko-KR" sz="1000" dirty="0" err="1" smtClean="0">
+                <a:solidFill>
+                  <a:schemeClr val="tx1"/>
+                </a:solidFill>
+              </a:rPr>
+              <a:t>LoginForm</a:t>
+            </a:r>
+            <a:endParaRPr lang="ko-KR" altLang="en-US" sz="1000" dirty="0">
+              <a:solidFill>
+                <a:schemeClr val="tx1"/>
+              </a:solidFill>
+            </a:endParaRPr>
+          </a:p>
+        </p:txBody>
+      </p:sp>
+      <p:cxnSp>
+        <p:nvCxnSpPr>
+          <p:cNvPr id="37" name="구부러진 연결선 36"/>
+          <p:cNvCxnSpPr>
+            <a:stCxn id="36" idx="0"/>
+            <a:endCxn id="28" idx="0"/>
+          </p:cNvCxnSpPr>
+          <p:nvPr/>
+        </p:nvCxnSpPr>
+        <p:spPr>
+          <a:xfrm rot="5400000" flipH="1" flipV="1">
+            <a:off x="3427472" y="3664044"/>
+            <a:ext cx="348562" cy="1098603"/>
+          </a:xfrm>
+          <a:prstGeom prst="curvedConnector3">
+            <a:avLst>
+              <a:gd name="adj1" fmla="val 165584"/>
+            </a:avLst>
+          </a:prstGeom>
+          <a:ln>
+            <a:solidFill>
+              <a:srgbClr val="FF0000"/>
+            </a:solidFill>
+            <a:headEnd type="triangle" w="med" len="med"/>
+            <a:tailEnd type="triangle" w="med" len="med"/>
+          </a:ln>
+        </p:spPr>
+        <p:style>
+          <a:lnRef idx="1">
+            <a:schemeClr val="accent1"/>
+          </a:lnRef>
+          <a:fillRef idx="0">
+            <a:schemeClr val="accent1"/>
+          </a:fillRef>
+          <a:effectRef idx="0">
+            <a:schemeClr val="accent1"/>
+          </a:effectRef>
+          <a:fontRef idx="minor">
+            <a:schemeClr val="tx1"/>
+          </a:fontRef>
+        </p:style>
+      </p:cxnSp>
+      <p:cxnSp>
+        <p:nvCxnSpPr>
+          <p:cNvPr id="38" name="구부러진 연결선 37"/>
+          <p:cNvCxnSpPr>
+            <a:stCxn id="28" idx="2"/>
+            <a:endCxn id="30" idx="4"/>
+          </p:cNvCxnSpPr>
+          <p:nvPr/>
+        </p:nvCxnSpPr>
+        <p:spPr>
+          <a:xfrm rot="16200000" flipH="1">
+            <a:off x="4031948" y="4814632"/>
+            <a:ext cx="648655" cy="410440"/>
+          </a:xfrm>
+          <a:prstGeom prst="curvedConnector4">
+            <a:avLst>
+              <a:gd name="adj1" fmla="val 13540"/>
+              <a:gd name="adj2" fmla="val 176040"/>
+            </a:avLst>
+          </a:prstGeom>
+          <a:ln>
+            <a:solidFill>
+              <a:srgbClr val="FF0000"/>
+            </a:solidFill>
+            <a:headEnd type="triangle" w="med" len="med"/>
+            <a:tailEnd type="triangle" w="med" len="med"/>
+          </a:ln>
+        </p:spPr>
+        <p:style>
+          <a:lnRef idx="1">
+            <a:schemeClr val="accent1"/>
+          </a:lnRef>
+          <a:fillRef idx="0">
+            <a:schemeClr val="accent1"/>
+          </a:fillRef>
+          <a:effectRef idx="0">
+            <a:schemeClr val="accent1"/>
+          </a:effectRef>
+          <a:fontRef idx="minor">
+            <a:schemeClr val="tx1"/>
+          </a:fontRef>
+        </p:style>
+      </p:cxnSp>
+      <p:sp>
+        <p:nvSpPr>
+          <p:cNvPr id="39" name="직사각형 38"/>
+          <p:cNvSpPr/>
+          <p:nvPr/>
+        </p:nvSpPr>
+        <p:spPr>
+          <a:xfrm>
+            <a:off x="332087" y="3754156"/>
+            <a:ext cx="4312907" cy="253736"/>
+          </a:xfrm>
+          <a:prstGeom prst="rect">
+            <a:avLst/>
+          </a:prstGeom>
+        </p:spPr>
+        <p:txBody>
+          <a:bodyPr wrap="square">
+            <a:spAutoFit/>
+          </a:bodyPr>
+          <a:lstStyle/>
+          <a:p>
+            <a:r>
+              <a:rPr lang="en-US" altLang="ko-KR" sz="1000" b="1" dirty="0">
+                <a:latin typeface="+mn-ea"/>
+              </a:rPr>
+              <a:t>* </a:t>
+            </a:r>
+            <a:r>
+              <a:rPr lang="ko-KR" altLang="en-US" sz="1000" b="1" dirty="0" smtClean="0">
+                <a:latin typeface="+mn-ea"/>
+              </a:rPr>
+              <a:t>로그인</a:t>
+            </a:r>
+            <a:r>
+              <a:rPr lang="ko-KR" altLang="en-US" sz="1000" b="1" dirty="0" smtClean="0">
+                <a:latin typeface="+mn-ea"/>
+              </a:rPr>
+              <a:t> </a:t>
+            </a:r>
+            <a:r>
+              <a:rPr lang="en-US" altLang="ko-KR" sz="1000" b="1" dirty="0" smtClean="0">
+                <a:latin typeface="+mn-ea"/>
+              </a:rPr>
+              <a:t>&gt; </a:t>
+            </a:r>
+            <a:r>
+              <a:rPr lang="ko-KR" altLang="en-US" sz="1000" b="1" dirty="0" err="1" smtClean="0">
+                <a:latin typeface="+mn-ea"/>
+              </a:rPr>
+              <a:t>입력양식에</a:t>
+            </a:r>
+            <a:r>
+              <a:rPr lang="ko-KR" altLang="en-US" sz="1000" b="1" dirty="0" smtClean="0">
+                <a:latin typeface="+mn-ea"/>
+              </a:rPr>
+              <a:t> 대한 </a:t>
+            </a:r>
+            <a:r>
+              <a:rPr lang="ko-KR" altLang="en-US" sz="1000" b="1" dirty="0" err="1" smtClean="0">
+                <a:latin typeface="+mn-ea"/>
+              </a:rPr>
+              <a:t>콤포넌트</a:t>
+            </a:r>
+            <a:r>
+              <a:rPr lang="ko-KR" altLang="en-US" sz="1000" b="1" dirty="0" smtClean="0">
+                <a:latin typeface="+mn-ea"/>
+              </a:rPr>
+              <a:t> 설계서</a:t>
+            </a:r>
+            <a:endParaRPr lang="ko-KR" altLang="en-US" sz="1000" b="1" dirty="0">
+              <a:latin typeface="+mn-ea"/>
+            </a:endParaRPr>
+          </a:p>
+        </p:txBody>
+      </p:sp>
     </p:spTree>
     <p:extLst>
       <p:ext uri="{BB962C8B-B14F-4D97-AF65-F5344CB8AC3E}">

--- a/images/vue(office).pptx
+++ b/images/vue(office).pptx
@@ -25,6 +25,7 @@
     <p:sldId id="273" r:id="rId19"/>
     <p:sldId id="274" r:id="rId20"/>
     <p:sldId id="275" r:id="rId21"/>
+    <p:sldId id="276" r:id="rId22"/>
   </p:sldIdLst>
   <p:sldSz cx="12192000" cy="6858000"/>
   <p:notesSz cx="6858000" cy="9144000"/>
@@ -273,7 +274,7 @@
           <a:p>
             <a:fld id="{D669FA1A-B387-4C47-9841-2D1A9ED4BFE2}" type="datetimeFigureOut">
               <a:rPr lang="ko-KR" altLang="en-US" smtClean="0"/>
-              <a:t>2021-11-03</a:t>
+              <a:t>2021-11-11</a:t>
             </a:fld>
             <a:endParaRPr lang="ko-KR" altLang="en-US"/>
           </a:p>
@@ -443,7 +444,7 @@
           <a:p>
             <a:fld id="{D669FA1A-B387-4C47-9841-2D1A9ED4BFE2}" type="datetimeFigureOut">
               <a:rPr lang="ko-KR" altLang="en-US" smtClean="0"/>
-              <a:t>2021-11-03</a:t>
+              <a:t>2021-11-11</a:t>
             </a:fld>
             <a:endParaRPr lang="ko-KR" altLang="en-US"/>
           </a:p>
@@ -623,7 +624,7 @@
           <a:p>
             <a:fld id="{D669FA1A-B387-4C47-9841-2D1A9ED4BFE2}" type="datetimeFigureOut">
               <a:rPr lang="ko-KR" altLang="en-US" smtClean="0"/>
-              <a:t>2021-11-03</a:t>
+              <a:t>2021-11-11</a:t>
             </a:fld>
             <a:endParaRPr lang="ko-KR" altLang="en-US"/>
           </a:p>
@@ -793,7 +794,7 @@
           <a:p>
             <a:fld id="{D669FA1A-B387-4C47-9841-2D1A9ED4BFE2}" type="datetimeFigureOut">
               <a:rPr lang="ko-KR" altLang="en-US" smtClean="0"/>
-              <a:t>2021-11-03</a:t>
+              <a:t>2021-11-11</a:t>
             </a:fld>
             <a:endParaRPr lang="ko-KR" altLang="en-US"/>
           </a:p>
@@ -1039,7 +1040,7 @@
           <a:p>
             <a:fld id="{D669FA1A-B387-4C47-9841-2D1A9ED4BFE2}" type="datetimeFigureOut">
               <a:rPr lang="ko-KR" altLang="en-US" smtClean="0"/>
-              <a:t>2021-11-03</a:t>
+              <a:t>2021-11-11</a:t>
             </a:fld>
             <a:endParaRPr lang="ko-KR" altLang="en-US"/>
           </a:p>
@@ -1271,7 +1272,7 @@
           <a:p>
             <a:fld id="{D669FA1A-B387-4C47-9841-2D1A9ED4BFE2}" type="datetimeFigureOut">
               <a:rPr lang="ko-KR" altLang="en-US" smtClean="0"/>
-              <a:t>2021-11-03</a:t>
+              <a:t>2021-11-11</a:t>
             </a:fld>
             <a:endParaRPr lang="ko-KR" altLang="en-US"/>
           </a:p>
@@ -1638,7 +1639,7 @@
           <a:p>
             <a:fld id="{D669FA1A-B387-4C47-9841-2D1A9ED4BFE2}" type="datetimeFigureOut">
               <a:rPr lang="ko-KR" altLang="en-US" smtClean="0"/>
-              <a:t>2021-11-03</a:t>
+              <a:t>2021-11-11</a:t>
             </a:fld>
             <a:endParaRPr lang="ko-KR" altLang="en-US"/>
           </a:p>
@@ -1756,7 +1757,7 @@
           <a:p>
             <a:fld id="{D669FA1A-B387-4C47-9841-2D1A9ED4BFE2}" type="datetimeFigureOut">
               <a:rPr lang="ko-KR" altLang="en-US" smtClean="0"/>
-              <a:t>2021-11-03</a:t>
+              <a:t>2021-11-11</a:t>
             </a:fld>
             <a:endParaRPr lang="ko-KR" altLang="en-US"/>
           </a:p>
@@ -1851,7 +1852,7 @@
           <a:p>
             <a:fld id="{D669FA1A-B387-4C47-9841-2D1A9ED4BFE2}" type="datetimeFigureOut">
               <a:rPr lang="ko-KR" altLang="en-US" smtClean="0"/>
-              <a:t>2021-11-03</a:t>
+              <a:t>2021-11-11</a:t>
             </a:fld>
             <a:endParaRPr lang="ko-KR" altLang="en-US"/>
           </a:p>
@@ -2128,7 +2129,7 @@
           <a:p>
             <a:fld id="{D669FA1A-B387-4C47-9841-2D1A9ED4BFE2}" type="datetimeFigureOut">
               <a:rPr lang="ko-KR" altLang="en-US" smtClean="0"/>
-              <a:t>2021-11-03</a:t>
+              <a:t>2021-11-11</a:t>
             </a:fld>
             <a:endParaRPr lang="ko-KR" altLang="en-US"/>
           </a:p>
@@ -2381,7 +2382,7 @@
           <a:p>
             <a:fld id="{D669FA1A-B387-4C47-9841-2D1A9ED4BFE2}" type="datetimeFigureOut">
               <a:rPr lang="ko-KR" altLang="en-US" smtClean="0"/>
-              <a:t>2021-11-03</a:t>
+              <a:t>2021-11-11</a:t>
             </a:fld>
             <a:endParaRPr lang="ko-KR" altLang="en-US"/>
           </a:p>
@@ -2594,7 +2595,7 @@
           <a:p>
             <a:fld id="{D669FA1A-B387-4C47-9841-2D1A9ED4BFE2}" type="datetimeFigureOut">
               <a:rPr lang="ko-KR" altLang="en-US" smtClean="0"/>
-              <a:t>2021-11-03</a:t>
+              <a:t>2021-11-11</a:t>
             </a:fld>
             <a:endParaRPr lang="ko-KR" altLang="en-US"/>
           </a:p>
@@ -13745,13 +13746,7 @@
               <a:rPr lang="ko-KR" altLang="en-US" sz="1000" b="1" dirty="0" smtClean="0">
                 <a:latin typeface="+mn-ea"/>
               </a:rPr>
-              <a:t>로그인</a:t>
-            </a:r>
-            <a:r>
-              <a:rPr lang="ko-KR" altLang="en-US" sz="1000" b="1" dirty="0" smtClean="0">
-                <a:latin typeface="+mn-ea"/>
-              </a:rPr>
-              <a:t> </a:t>
+              <a:t>로그인 </a:t>
             </a:r>
             <a:r>
               <a:rPr lang="en-US" altLang="ko-KR" sz="1000" b="1" dirty="0" smtClean="0">
@@ -13793,6 +13788,841 @@
     <p:extLst>
       <p:ext uri="{BB962C8B-B14F-4D97-AF65-F5344CB8AC3E}">
         <p14:creationId xmlns:p14="http://schemas.microsoft.com/office/powerpoint/2010/main" val="3105369230"/>
+      </p:ext>
+    </p:extLst>
+  </p:cSld>
+  <p:clrMapOvr>
+    <a:masterClrMapping/>
+  </p:clrMapOvr>
+</p:sld>
+</file>
+
+<file path=ppt/slides/slide21.xml><?xml version="1.0" encoding="utf-8"?>
+<p:sld xmlns:a="http://schemas.openxmlformats.org/drawingml/2006/main" xmlns:r="http://schemas.openxmlformats.org/officeDocument/2006/relationships" xmlns:p="http://schemas.openxmlformats.org/presentationml/2006/main">
+  <p:cSld>
+    <p:spTree>
+      <p:nvGrpSpPr>
+        <p:cNvPr id="1" name=""/>
+        <p:cNvGrpSpPr/>
+        <p:nvPr/>
+      </p:nvGrpSpPr>
+      <p:grpSpPr>
+        <a:xfrm>
+          <a:off x="0" y="0"/>
+          <a:ext cx="0" cy="0"/>
+          <a:chOff x="0" y="0"/>
+          <a:chExt cx="0" cy="0"/>
+        </a:xfrm>
+      </p:grpSpPr>
+      <p:sp>
+        <p:nvSpPr>
+          <p:cNvPr id="4" name="모서리가 둥근 직사각형 3"/>
+          <p:cNvSpPr/>
+          <p:nvPr/>
+        </p:nvSpPr>
+        <p:spPr>
+          <a:xfrm>
+            <a:off x="278214" y="211786"/>
+            <a:ext cx="5010759" cy="2614541"/>
+          </a:xfrm>
+          <a:prstGeom prst="roundRect">
+            <a:avLst>
+              <a:gd name="adj" fmla="val 1880"/>
+            </a:avLst>
+          </a:prstGeom>
+          <a:solidFill>
+            <a:schemeClr val="bg1">
+              <a:lumMod val="85000"/>
+            </a:schemeClr>
+          </a:solidFill>
+          <a:ln>
+            <a:solidFill>
+              <a:schemeClr val="tx1"/>
+            </a:solidFill>
+          </a:ln>
+        </p:spPr>
+        <p:style>
+          <a:lnRef idx="2">
+            <a:schemeClr val="accent1">
+              <a:shade val="50000"/>
+            </a:schemeClr>
+          </a:lnRef>
+          <a:fillRef idx="1">
+            <a:schemeClr val="accent1"/>
+          </a:fillRef>
+          <a:effectRef idx="0">
+            <a:schemeClr val="accent1"/>
+          </a:effectRef>
+          <a:fontRef idx="minor">
+            <a:schemeClr val="lt1"/>
+          </a:fontRef>
+        </p:style>
+        <p:txBody>
+          <a:bodyPr rtlCol="0" anchor="ctr"/>
+          <a:lstStyle/>
+          <a:p>
+            <a:pPr algn="ctr"/>
+            <a:endParaRPr lang="ko-KR" altLang="en-US" dirty="0"/>
+          </a:p>
+        </p:txBody>
+      </p:sp>
+      <p:sp>
+        <p:nvSpPr>
+          <p:cNvPr id="5" name="모서리가 둥근 직사각형 4"/>
+          <p:cNvSpPr/>
+          <p:nvPr/>
+        </p:nvSpPr>
+        <p:spPr>
+          <a:xfrm>
+            <a:off x="379911" y="547718"/>
+            <a:ext cx="1349829" cy="1778118"/>
+          </a:xfrm>
+          <a:prstGeom prst="roundRect">
+            <a:avLst/>
+          </a:prstGeom>
+          <a:solidFill>
+            <a:schemeClr val="accent4">
+              <a:lumMod val="40000"/>
+              <a:lumOff val="60000"/>
+            </a:schemeClr>
+          </a:solidFill>
+          <a:ln>
+            <a:solidFill>
+              <a:schemeClr val="accent4"/>
+            </a:solidFill>
+          </a:ln>
+        </p:spPr>
+        <p:style>
+          <a:lnRef idx="2">
+            <a:schemeClr val="accent1">
+              <a:shade val="50000"/>
+            </a:schemeClr>
+          </a:lnRef>
+          <a:fillRef idx="1">
+            <a:schemeClr val="accent1"/>
+          </a:fillRef>
+          <a:effectRef idx="0">
+            <a:schemeClr val="accent1"/>
+          </a:effectRef>
+          <a:fontRef idx="minor">
+            <a:schemeClr val="lt1"/>
+          </a:fontRef>
+        </p:style>
+        <p:txBody>
+          <a:bodyPr rtlCol="0" anchor="ctr"/>
+          <a:lstStyle/>
+          <a:p>
+            <a:r>
+              <a:rPr lang="en-US" altLang="ko-KR" sz="1000" dirty="0" smtClean="0">
+                <a:solidFill>
+                  <a:schemeClr val="tx1"/>
+                </a:solidFill>
+              </a:rPr>
+              <a:t>App</a:t>
+            </a:r>
+            <a:endParaRPr lang="ko-KR" altLang="en-US" sz="1000" dirty="0">
+              <a:solidFill>
+                <a:schemeClr val="tx1"/>
+              </a:solidFill>
+            </a:endParaRPr>
+          </a:p>
+        </p:txBody>
+      </p:sp>
+      <p:sp>
+        <p:nvSpPr>
+          <p:cNvPr id="6" name="모서리가 둥근 직사각형 5"/>
+          <p:cNvSpPr/>
+          <p:nvPr/>
+        </p:nvSpPr>
+        <p:spPr>
+          <a:xfrm>
+            <a:off x="976745" y="716974"/>
+            <a:ext cx="1349829" cy="602671"/>
+          </a:xfrm>
+          <a:prstGeom prst="roundRect">
+            <a:avLst/>
+          </a:prstGeom>
+          <a:solidFill>
+            <a:schemeClr val="accent1">
+              <a:lumMod val="40000"/>
+              <a:lumOff val="60000"/>
+            </a:schemeClr>
+          </a:solidFill>
+          <a:ln>
+            <a:solidFill>
+              <a:schemeClr val="accent1"/>
+            </a:solidFill>
+          </a:ln>
+        </p:spPr>
+        <p:style>
+          <a:lnRef idx="2">
+            <a:schemeClr val="accent1">
+              <a:shade val="50000"/>
+            </a:schemeClr>
+          </a:lnRef>
+          <a:fillRef idx="1">
+            <a:schemeClr val="accent1"/>
+          </a:fillRef>
+          <a:effectRef idx="0">
+            <a:schemeClr val="accent1"/>
+          </a:effectRef>
+          <a:fontRef idx="minor">
+            <a:schemeClr val="lt1"/>
+          </a:fontRef>
+        </p:style>
+        <p:txBody>
+          <a:bodyPr rtlCol="0" anchor="ctr"/>
+          <a:lstStyle/>
+          <a:p>
+            <a:r>
+              <a:rPr lang="en-US" altLang="ko-KR" sz="1000" dirty="0" err="1" smtClean="0">
+                <a:solidFill>
+                  <a:schemeClr val="tx1"/>
+                </a:solidFill>
+              </a:rPr>
+              <a:t>AppHeader</a:t>
+            </a:r>
+            <a:endParaRPr lang="ko-KR" altLang="en-US" sz="1000" dirty="0">
+              <a:solidFill>
+                <a:schemeClr val="tx1"/>
+              </a:solidFill>
+            </a:endParaRPr>
+          </a:p>
+        </p:txBody>
+      </p:sp>
+      <p:sp>
+        <p:nvSpPr>
+          <p:cNvPr id="7" name="모서리가 둥근 직사각형 6"/>
+          <p:cNvSpPr/>
+          <p:nvPr/>
+        </p:nvSpPr>
+        <p:spPr>
+          <a:xfrm>
+            <a:off x="976745" y="1436777"/>
+            <a:ext cx="1349829" cy="713972"/>
+          </a:xfrm>
+          <a:prstGeom prst="roundRect">
+            <a:avLst/>
+          </a:prstGeom>
+          <a:solidFill>
+            <a:schemeClr val="accent2">
+              <a:lumMod val="40000"/>
+              <a:lumOff val="60000"/>
+            </a:schemeClr>
+          </a:solidFill>
+          <a:ln>
+            <a:solidFill>
+              <a:schemeClr val="accent2"/>
+            </a:solidFill>
+          </a:ln>
+        </p:spPr>
+        <p:style>
+          <a:lnRef idx="2">
+            <a:schemeClr val="accent1">
+              <a:shade val="50000"/>
+            </a:schemeClr>
+          </a:lnRef>
+          <a:fillRef idx="1">
+            <a:schemeClr val="accent1"/>
+          </a:fillRef>
+          <a:effectRef idx="0">
+            <a:schemeClr val="accent1"/>
+          </a:effectRef>
+          <a:fontRef idx="minor">
+            <a:schemeClr val="lt1"/>
+          </a:fontRef>
+        </p:style>
+        <p:txBody>
+          <a:bodyPr rtlCol="0" anchor="ctr"/>
+          <a:lstStyle/>
+          <a:p>
+            <a:r>
+              <a:rPr lang="en-US" altLang="ko-KR" sz="1000" dirty="0" err="1" smtClean="0">
+                <a:solidFill>
+                  <a:schemeClr val="tx1"/>
+                </a:solidFill>
+              </a:rPr>
+              <a:t>MainPage</a:t>
+            </a:r>
+            <a:endParaRPr lang="en-US" altLang="ko-KR" sz="1000" dirty="0" smtClean="0">
+              <a:solidFill>
+                <a:schemeClr val="tx1"/>
+              </a:solidFill>
+            </a:endParaRPr>
+          </a:p>
+          <a:p>
+            <a:r>
+              <a:rPr lang="en-US" altLang="ko-KR" sz="1000" dirty="0" smtClean="0">
+                <a:solidFill>
+                  <a:schemeClr val="tx1"/>
+                </a:solidFill>
+              </a:rPr>
+              <a:t>&lt;&lt;Create&gt;&gt;</a:t>
+            </a:r>
+            <a:endParaRPr lang="ko-KR" altLang="en-US" sz="1000" dirty="0">
+              <a:solidFill>
+                <a:schemeClr val="tx1"/>
+              </a:solidFill>
+            </a:endParaRPr>
+          </a:p>
+        </p:txBody>
+      </p:sp>
+      <p:sp>
+        <p:nvSpPr>
+          <p:cNvPr id="8" name="모서리가 둥근 직사각형 7"/>
+          <p:cNvSpPr/>
+          <p:nvPr/>
+        </p:nvSpPr>
+        <p:spPr>
+          <a:xfrm>
+            <a:off x="1729740" y="2349557"/>
+            <a:ext cx="925780" cy="335001"/>
+          </a:xfrm>
+          <a:prstGeom prst="roundRect">
+            <a:avLst/>
+          </a:prstGeom>
+          <a:solidFill>
+            <a:schemeClr val="tx2">
+              <a:lumMod val="40000"/>
+              <a:lumOff val="60000"/>
+            </a:schemeClr>
+          </a:solidFill>
+          <a:ln>
+            <a:solidFill>
+              <a:schemeClr val="tx2"/>
+            </a:solidFill>
+          </a:ln>
+        </p:spPr>
+        <p:style>
+          <a:lnRef idx="2">
+            <a:schemeClr val="accent1">
+              <a:shade val="50000"/>
+            </a:schemeClr>
+          </a:lnRef>
+          <a:fillRef idx="1">
+            <a:schemeClr val="accent1"/>
+          </a:fillRef>
+          <a:effectRef idx="0">
+            <a:schemeClr val="accent1"/>
+          </a:effectRef>
+          <a:fontRef idx="minor">
+            <a:schemeClr val="lt1"/>
+          </a:fontRef>
+        </p:style>
+        <p:txBody>
+          <a:bodyPr rtlCol="0" anchor="ctr"/>
+          <a:lstStyle/>
+          <a:p>
+            <a:pPr algn="ctr"/>
+            <a:r>
+              <a:rPr lang="en-US" altLang="ko-KR" sz="1000" dirty="0" smtClean="0">
+                <a:solidFill>
+                  <a:schemeClr val="tx1"/>
+                </a:solidFill>
+              </a:rPr>
+              <a:t>Router</a:t>
+            </a:r>
+            <a:endParaRPr lang="ko-KR" altLang="en-US" sz="1000" dirty="0">
+              <a:solidFill>
+                <a:schemeClr val="tx1"/>
+              </a:solidFill>
+            </a:endParaRPr>
+          </a:p>
+        </p:txBody>
+      </p:sp>
+      <p:sp>
+        <p:nvSpPr>
+          <p:cNvPr id="9" name="모서리가 둥근 직사각형 8"/>
+          <p:cNvSpPr/>
+          <p:nvPr/>
+        </p:nvSpPr>
+        <p:spPr>
+          <a:xfrm>
+            <a:off x="1936947" y="1510867"/>
+            <a:ext cx="1242671" cy="565792"/>
+          </a:xfrm>
+          <a:prstGeom prst="roundRect">
+            <a:avLst/>
+          </a:prstGeom>
+          <a:solidFill>
+            <a:schemeClr val="bg2">
+              <a:lumMod val="75000"/>
+            </a:schemeClr>
+          </a:solidFill>
+          <a:ln>
+            <a:solidFill>
+              <a:schemeClr val="bg2">
+                <a:lumMod val="50000"/>
+              </a:schemeClr>
+            </a:solidFill>
+          </a:ln>
+        </p:spPr>
+        <p:style>
+          <a:lnRef idx="2">
+            <a:schemeClr val="accent1">
+              <a:shade val="50000"/>
+            </a:schemeClr>
+          </a:lnRef>
+          <a:fillRef idx="1">
+            <a:schemeClr val="accent1"/>
+          </a:fillRef>
+          <a:effectRef idx="0">
+            <a:schemeClr val="accent1"/>
+          </a:effectRef>
+          <a:fontRef idx="minor">
+            <a:schemeClr val="lt1"/>
+          </a:fontRef>
+        </p:style>
+        <p:txBody>
+          <a:bodyPr rtlCol="0" anchor="ctr"/>
+          <a:lstStyle/>
+          <a:p>
+            <a:r>
+              <a:rPr lang="en-US" altLang="ko-KR" sz="1000" dirty="0" err="1" smtClean="0">
+                <a:solidFill>
+                  <a:schemeClr val="tx1"/>
+                </a:solidFill>
+              </a:rPr>
+              <a:t>PostAddPage</a:t>
+            </a:r>
+            <a:endParaRPr lang="ko-KR" altLang="en-US" sz="1000" dirty="0">
+              <a:solidFill>
+                <a:schemeClr val="tx1"/>
+              </a:solidFill>
+            </a:endParaRPr>
+          </a:p>
+        </p:txBody>
+      </p:sp>
+      <p:sp>
+        <p:nvSpPr>
+          <p:cNvPr id="10" name="모서리가 둥근 직사각형 9"/>
+          <p:cNvSpPr/>
+          <p:nvPr/>
+        </p:nvSpPr>
+        <p:spPr>
+          <a:xfrm>
+            <a:off x="2910457" y="1619210"/>
+            <a:ext cx="1086871" cy="349106"/>
+          </a:xfrm>
+          <a:prstGeom prst="roundRect">
+            <a:avLst/>
+          </a:prstGeom>
+          <a:solidFill>
+            <a:schemeClr val="bg2">
+              <a:lumMod val="75000"/>
+            </a:schemeClr>
+          </a:solidFill>
+          <a:ln>
+            <a:solidFill>
+              <a:schemeClr val="bg2">
+                <a:lumMod val="50000"/>
+              </a:schemeClr>
+            </a:solidFill>
+          </a:ln>
+        </p:spPr>
+        <p:style>
+          <a:lnRef idx="2">
+            <a:schemeClr val="accent1">
+              <a:shade val="50000"/>
+            </a:schemeClr>
+          </a:lnRef>
+          <a:fillRef idx="1">
+            <a:schemeClr val="accent1"/>
+          </a:fillRef>
+          <a:effectRef idx="0">
+            <a:schemeClr val="accent1"/>
+          </a:effectRef>
+          <a:fontRef idx="minor">
+            <a:schemeClr val="lt1"/>
+          </a:fontRef>
+        </p:style>
+        <p:txBody>
+          <a:bodyPr rtlCol="0" anchor="ctr"/>
+          <a:lstStyle/>
+          <a:p>
+            <a:r>
+              <a:rPr lang="en-US" altLang="ko-KR" sz="1000" dirty="0" err="1" smtClean="0">
+                <a:solidFill>
+                  <a:schemeClr val="tx1"/>
+                </a:solidFill>
+              </a:rPr>
+              <a:t>PostAddForm</a:t>
+            </a:r>
+            <a:endParaRPr lang="ko-KR" altLang="en-US" sz="1000" dirty="0">
+              <a:solidFill>
+                <a:schemeClr val="tx1"/>
+              </a:solidFill>
+            </a:endParaRPr>
+          </a:p>
+        </p:txBody>
+      </p:sp>
+      <p:sp>
+        <p:nvSpPr>
+          <p:cNvPr id="11" name="모서리가 둥근 직사각형 10"/>
+          <p:cNvSpPr/>
+          <p:nvPr/>
+        </p:nvSpPr>
+        <p:spPr>
+          <a:xfrm>
+            <a:off x="4174929" y="547718"/>
+            <a:ext cx="987879" cy="656461"/>
+          </a:xfrm>
+          <a:prstGeom prst="roundRect">
+            <a:avLst/>
+          </a:prstGeom>
+          <a:solidFill>
+            <a:schemeClr val="accent6">
+              <a:lumMod val="40000"/>
+              <a:lumOff val="60000"/>
+            </a:schemeClr>
+          </a:solidFill>
+          <a:ln>
+            <a:solidFill>
+              <a:schemeClr val="accent6"/>
+            </a:solidFill>
+          </a:ln>
+        </p:spPr>
+        <p:style>
+          <a:lnRef idx="2">
+            <a:schemeClr val="accent1">
+              <a:shade val="50000"/>
+            </a:schemeClr>
+          </a:lnRef>
+          <a:fillRef idx="1">
+            <a:schemeClr val="accent1"/>
+          </a:fillRef>
+          <a:effectRef idx="0">
+            <a:schemeClr val="accent1"/>
+          </a:effectRef>
+          <a:fontRef idx="minor">
+            <a:schemeClr val="lt1"/>
+          </a:fontRef>
+        </p:style>
+        <p:txBody>
+          <a:bodyPr rtlCol="0" anchor="ctr"/>
+          <a:lstStyle/>
+          <a:p>
+            <a:pPr algn="ctr"/>
+            <a:r>
+              <a:rPr lang="en-US" altLang="ko-KR" dirty="0" smtClean="0">
+                <a:solidFill>
+                  <a:schemeClr val="tx1"/>
+                </a:solidFill>
+              </a:rPr>
+              <a:t>API</a:t>
+            </a:r>
+            <a:endParaRPr lang="ko-KR" altLang="en-US" dirty="0">
+              <a:solidFill>
+                <a:schemeClr val="tx1"/>
+              </a:solidFill>
+            </a:endParaRPr>
+          </a:p>
+        </p:txBody>
+      </p:sp>
+      <p:sp>
+        <p:nvSpPr>
+          <p:cNvPr id="12" name="순서도: 자기 디스크 11"/>
+          <p:cNvSpPr/>
+          <p:nvPr/>
+        </p:nvSpPr>
+        <p:spPr>
+          <a:xfrm>
+            <a:off x="4258427" y="1379832"/>
+            <a:ext cx="820882" cy="946004"/>
+          </a:xfrm>
+          <a:prstGeom prst="flowChartMagneticDisk">
+            <a:avLst/>
+          </a:prstGeom>
+          <a:solidFill>
+            <a:schemeClr val="accent5">
+              <a:lumMod val="20000"/>
+              <a:lumOff val="80000"/>
+            </a:schemeClr>
+          </a:solidFill>
+        </p:spPr>
+        <p:style>
+          <a:lnRef idx="2">
+            <a:schemeClr val="accent1">
+              <a:shade val="50000"/>
+            </a:schemeClr>
+          </a:lnRef>
+          <a:fillRef idx="1">
+            <a:schemeClr val="accent1"/>
+          </a:fillRef>
+          <a:effectRef idx="0">
+            <a:schemeClr val="accent1"/>
+          </a:effectRef>
+          <a:fontRef idx="minor">
+            <a:schemeClr val="lt1"/>
+          </a:fontRef>
+        </p:style>
+        <p:txBody>
+          <a:bodyPr rtlCol="0" anchor="ctr"/>
+          <a:lstStyle/>
+          <a:p>
+            <a:pPr algn="ctr"/>
+            <a:r>
+              <a:rPr lang="en-US" altLang="ko-KR" sz="1000" dirty="0" smtClean="0">
+                <a:solidFill>
+                  <a:schemeClr val="tx1"/>
+                </a:solidFill>
+              </a:rPr>
+              <a:t>MongoDB</a:t>
+            </a:r>
+          </a:p>
+          <a:p>
+            <a:pPr algn="ctr"/>
+            <a:r>
+              <a:rPr lang="en-US" altLang="ko-KR" sz="1000" dirty="0" smtClean="0">
+                <a:solidFill>
+                  <a:schemeClr val="tx1"/>
+                </a:solidFill>
+              </a:rPr>
+              <a:t>(Cloud)</a:t>
+            </a:r>
+            <a:endParaRPr lang="ko-KR" altLang="en-US" sz="1000" dirty="0">
+              <a:solidFill>
+                <a:schemeClr val="tx1"/>
+              </a:solidFill>
+            </a:endParaRPr>
+          </a:p>
+        </p:txBody>
+      </p:sp>
+      <p:sp>
+        <p:nvSpPr>
+          <p:cNvPr id="13" name="직사각형 12"/>
+          <p:cNvSpPr/>
+          <p:nvPr/>
+        </p:nvSpPr>
+        <p:spPr>
+          <a:xfrm>
+            <a:off x="332087" y="262810"/>
+            <a:ext cx="4312907" cy="253736"/>
+          </a:xfrm>
+          <a:prstGeom prst="rect">
+            <a:avLst/>
+          </a:prstGeom>
+        </p:spPr>
+        <p:txBody>
+          <a:bodyPr wrap="square">
+            <a:spAutoFit/>
+          </a:bodyPr>
+          <a:lstStyle/>
+          <a:p>
+            <a:r>
+              <a:rPr lang="en-US" altLang="ko-KR" sz="1000" b="1" dirty="0">
+                <a:latin typeface="+mn-ea"/>
+              </a:rPr>
+              <a:t>* </a:t>
+            </a:r>
+            <a:r>
+              <a:rPr lang="ko-KR" altLang="en-US" sz="1000" b="1" dirty="0" smtClean="0">
+                <a:latin typeface="+mn-ea"/>
+              </a:rPr>
+              <a:t>신규 게시물 등록</a:t>
+            </a:r>
+            <a:r>
+              <a:rPr lang="en-US" altLang="ko-KR" sz="1000" b="1" dirty="0" smtClean="0">
+                <a:latin typeface="+mn-ea"/>
+              </a:rPr>
+              <a:t>(Create Button) &gt; </a:t>
+            </a:r>
+            <a:r>
+              <a:rPr lang="en-US" altLang="ko-KR" sz="1000" b="1" dirty="0" err="1" smtClean="0">
+                <a:latin typeface="+mn-ea"/>
+              </a:rPr>
+              <a:t>PostAddPage</a:t>
+            </a:r>
+            <a:r>
+              <a:rPr lang="en-US" altLang="ko-KR" sz="1000" b="1" dirty="0" smtClean="0">
+                <a:latin typeface="+mn-ea"/>
+              </a:rPr>
+              <a:t> &gt; </a:t>
+            </a:r>
+            <a:r>
+              <a:rPr lang="en-US" altLang="ko-KR" sz="1000" b="1" dirty="0" err="1" smtClean="0">
+                <a:latin typeface="+mn-ea"/>
+              </a:rPr>
+              <a:t>PostAddForm</a:t>
+            </a:r>
+            <a:endParaRPr lang="ko-KR" altLang="en-US" sz="1000" b="1" dirty="0">
+              <a:latin typeface="+mn-ea"/>
+            </a:endParaRPr>
+          </a:p>
+        </p:txBody>
+      </p:sp>
+      <p:cxnSp>
+        <p:nvCxnSpPr>
+          <p:cNvPr id="14" name="구부러진 연결선 13"/>
+          <p:cNvCxnSpPr>
+            <a:stCxn id="10" idx="0"/>
+            <a:endCxn id="11" idx="1"/>
+          </p:cNvCxnSpPr>
+          <p:nvPr/>
+        </p:nvCxnSpPr>
+        <p:spPr>
+          <a:xfrm rot="5400000" flipH="1" flipV="1">
+            <a:off x="3442781" y="887062"/>
+            <a:ext cx="743261" cy="721036"/>
+          </a:xfrm>
+          <a:prstGeom prst="curvedConnector2">
+            <a:avLst/>
+          </a:prstGeom>
+          <a:ln>
+            <a:solidFill>
+              <a:srgbClr val="FF0000"/>
+            </a:solidFill>
+            <a:headEnd type="triangle" w="med" len="med"/>
+            <a:tailEnd type="triangle" w="med" len="med"/>
+          </a:ln>
+        </p:spPr>
+        <p:style>
+          <a:lnRef idx="1">
+            <a:schemeClr val="accent1"/>
+          </a:lnRef>
+          <a:fillRef idx="0">
+            <a:schemeClr val="accent1"/>
+          </a:fillRef>
+          <a:effectRef idx="0">
+            <a:schemeClr val="accent1"/>
+          </a:effectRef>
+          <a:fontRef idx="minor">
+            <a:schemeClr val="tx1"/>
+          </a:fontRef>
+        </p:style>
+      </p:cxnSp>
+      <p:cxnSp>
+        <p:nvCxnSpPr>
+          <p:cNvPr id="17" name="구부러진 연결선 16"/>
+          <p:cNvCxnSpPr>
+            <a:stCxn id="11" idx="2"/>
+            <a:endCxn id="12" idx="2"/>
+          </p:cNvCxnSpPr>
+          <p:nvPr/>
+        </p:nvCxnSpPr>
+        <p:spPr>
+          <a:xfrm rot="5400000">
+            <a:off x="4139321" y="1323285"/>
+            <a:ext cx="648655" cy="410442"/>
+          </a:xfrm>
+          <a:prstGeom prst="curvedConnector4">
+            <a:avLst>
+              <a:gd name="adj1" fmla="val 13540"/>
+              <a:gd name="adj2" fmla="val 155696"/>
+            </a:avLst>
+          </a:prstGeom>
+          <a:ln>
+            <a:solidFill>
+              <a:srgbClr val="FF0000"/>
+            </a:solidFill>
+            <a:headEnd type="triangle" w="med" len="med"/>
+            <a:tailEnd type="triangle" w="med" len="med"/>
+          </a:ln>
+        </p:spPr>
+        <p:style>
+          <a:lnRef idx="1">
+            <a:schemeClr val="accent1"/>
+          </a:lnRef>
+          <a:fillRef idx="0">
+            <a:schemeClr val="accent1"/>
+          </a:fillRef>
+          <a:effectRef idx="0">
+            <a:schemeClr val="accent1"/>
+          </a:effectRef>
+          <a:fontRef idx="minor">
+            <a:schemeClr val="tx1"/>
+          </a:fontRef>
+        </p:style>
+      </p:cxnSp>
+      <p:cxnSp>
+        <p:nvCxnSpPr>
+          <p:cNvPr id="20" name="구부러진 연결선 19"/>
+          <p:cNvCxnSpPr>
+            <a:stCxn id="7" idx="2"/>
+            <a:endCxn id="8" idx="1"/>
+          </p:cNvCxnSpPr>
+          <p:nvPr/>
+        </p:nvCxnSpPr>
+        <p:spPr>
+          <a:xfrm rot="16200000" flipH="1">
+            <a:off x="1507546" y="2294863"/>
+            <a:ext cx="366309" cy="78080"/>
+          </a:xfrm>
+          <a:prstGeom prst="curvedConnector2">
+            <a:avLst/>
+          </a:prstGeom>
+          <a:ln>
+            <a:solidFill>
+              <a:srgbClr val="FF0000"/>
+            </a:solidFill>
+            <a:prstDash val="dashDot"/>
+            <a:headEnd type="none" w="med" len="med"/>
+            <a:tailEnd type="triangle" w="med" len="med"/>
+          </a:ln>
+        </p:spPr>
+        <p:style>
+          <a:lnRef idx="1">
+            <a:schemeClr val="accent1"/>
+          </a:lnRef>
+          <a:fillRef idx="0">
+            <a:schemeClr val="accent1"/>
+          </a:fillRef>
+          <a:effectRef idx="0">
+            <a:schemeClr val="accent1"/>
+          </a:effectRef>
+          <a:fontRef idx="minor">
+            <a:schemeClr val="tx1"/>
+          </a:fontRef>
+        </p:style>
+      </p:cxnSp>
+      <p:cxnSp>
+        <p:nvCxnSpPr>
+          <p:cNvPr id="26" name="구부러진 연결선 25"/>
+          <p:cNvCxnSpPr>
+            <a:stCxn id="8" idx="3"/>
+            <a:endCxn id="9" idx="2"/>
+          </p:cNvCxnSpPr>
+          <p:nvPr/>
+        </p:nvCxnSpPr>
+        <p:spPr>
+          <a:xfrm flipH="1" flipV="1">
+            <a:off x="2558283" y="2076659"/>
+            <a:ext cx="97237" cy="440399"/>
+          </a:xfrm>
+          <a:prstGeom prst="curvedConnector4">
+            <a:avLst>
+              <a:gd name="adj1" fmla="val -235096"/>
+              <a:gd name="adj2" fmla="val 69017"/>
+            </a:avLst>
+          </a:prstGeom>
+          <a:ln>
+            <a:solidFill>
+              <a:srgbClr val="FF0000"/>
+            </a:solidFill>
+            <a:prstDash val="dashDot"/>
+            <a:headEnd type="none" w="med" len="med"/>
+            <a:tailEnd type="triangle" w="med" len="med"/>
+          </a:ln>
+        </p:spPr>
+        <p:style>
+          <a:lnRef idx="1">
+            <a:schemeClr val="accent1"/>
+          </a:lnRef>
+          <a:fillRef idx="0">
+            <a:schemeClr val="accent1"/>
+          </a:fillRef>
+          <a:effectRef idx="0">
+            <a:schemeClr val="accent1"/>
+          </a:effectRef>
+          <a:fontRef idx="minor">
+            <a:schemeClr val="tx1"/>
+          </a:fontRef>
+        </p:style>
+      </p:cxnSp>
+    </p:spTree>
+    <p:extLst>
+      <p:ext uri="{BB962C8B-B14F-4D97-AF65-F5344CB8AC3E}">
+        <p14:creationId xmlns:p14="http://schemas.microsoft.com/office/powerpoint/2010/main" val="2976966318"/>
       </p:ext>
     </p:extLst>
   </p:cSld>

--- a/images/vue(office).pptx
+++ b/images/vue(office).pptx
@@ -274,7 +274,7 @@
           <a:p>
             <a:fld id="{D669FA1A-B387-4C47-9841-2D1A9ED4BFE2}" type="datetimeFigureOut">
               <a:rPr lang="ko-KR" altLang="en-US" smtClean="0"/>
-              <a:t>2021-11-11</a:t>
+              <a:t>2021-11-12</a:t>
             </a:fld>
             <a:endParaRPr lang="ko-KR" altLang="en-US"/>
           </a:p>
@@ -444,7 +444,7 @@
           <a:p>
             <a:fld id="{D669FA1A-B387-4C47-9841-2D1A9ED4BFE2}" type="datetimeFigureOut">
               <a:rPr lang="ko-KR" altLang="en-US" smtClean="0"/>
-              <a:t>2021-11-11</a:t>
+              <a:t>2021-11-12</a:t>
             </a:fld>
             <a:endParaRPr lang="ko-KR" altLang="en-US"/>
           </a:p>
@@ -624,7 +624,7 @@
           <a:p>
             <a:fld id="{D669FA1A-B387-4C47-9841-2D1A9ED4BFE2}" type="datetimeFigureOut">
               <a:rPr lang="ko-KR" altLang="en-US" smtClean="0"/>
-              <a:t>2021-11-11</a:t>
+              <a:t>2021-11-12</a:t>
             </a:fld>
             <a:endParaRPr lang="ko-KR" altLang="en-US"/>
           </a:p>
@@ -794,7 +794,7 @@
           <a:p>
             <a:fld id="{D669FA1A-B387-4C47-9841-2D1A9ED4BFE2}" type="datetimeFigureOut">
               <a:rPr lang="ko-KR" altLang="en-US" smtClean="0"/>
-              <a:t>2021-11-11</a:t>
+              <a:t>2021-11-12</a:t>
             </a:fld>
             <a:endParaRPr lang="ko-KR" altLang="en-US"/>
           </a:p>
@@ -1040,7 +1040,7 @@
           <a:p>
             <a:fld id="{D669FA1A-B387-4C47-9841-2D1A9ED4BFE2}" type="datetimeFigureOut">
               <a:rPr lang="ko-KR" altLang="en-US" smtClean="0"/>
-              <a:t>2021-11-11</a:t>
+              <a:t>2021-11-12</a:t>
             </a:fld>
             <a:endParaRPr lang="ko-KR" altLang="en-US"/>
           </a:p>
@@ -1272,7 +1272,7 @@
           <a:p>
             <a:fld id="{D669FA1A-B387-4C47-9841-2D1A9ED4BFE2}" type="datetimeFigureOut">
               <a:rPr lang="ko-KR" altLang="en-US" smtClean="0"/>
-              <a:t>2021-11-11</a:t>
+              <a:t>2021-11-12</a:t>
             </a:fld>
             <a:endParaRPr lang="ko-KR" altLang="en-US"/>
           </a:p>
@@ -1639,7 +1639,7 @@
           <a:p>
             <a:fld id="{D669FA1A-B387-4C47-9841-2D1A9ED4BFE2}" type="datetimeFigureOut">
               <a:rPr lang="ko-KR" altLang="en-US" smtClean="0"/>
-              <a:t>2021-11-11</a:t>
+              <a:t>2021-11-12</a:t>
             </a:fld>
             <a:endParaRPr lang="ko-KR" altLang="en-US"/>
           </a:p>
@@ -1757,7 +1757,7 @@
           <a:p>
             <a:fld id="{D669FA1A-B387-4C47-9841-2D1A9ED4BFE2}" type="datetimeFigureOut">
               <a:rPr lang="ko-KR" altLang="en-US" smtClean="0"/>
-              <a:t>2021-11-11</a:t>
+              <a:t>2021-11-12</a:t>
             </a:fld>
             <a:endParaRPr lang="ko-KR" altLang="en-US"/>
           </a:p>
@@ -1852,7 +1852,7 @@
           <a:p>
             <a:fld id="{D669FA1A-B387-4C47-9841-2D1A9ED4BFE2}" type="datetimeFigureOut">
               <a:rPr lang="ko-KR" altLang="en-US" smtClean="0"/>
-              <a:t>2021-11-11</a:t>
+              <a:t>2021-11-12</a:t>
             </a:fld>
             <a:endParaRPr lang="ko-KR" altLang="en-US"/>
           </a:p>
@@ -2129,7 +2129,7 @@
           <a:p>
             <a:fld id="{D669FA1A-B387-4C47-9841-2D1A9ED4BFE2}" type="datetimeFigureOut">
               <a:rPr lang="ko-KR" altLang="en-US" smtClean="0"/>
-              <a:t>2021-11-11</a:t>
+              <a:t>2021-11-12</a:t>
             </a:fld>
             <a:endParaRPr lang="ko-KR" altLang="en-US"/>
           </a:p>
@@ -2382,7 +2382,7 @@
           <a:p>
             <a:fld id="{D669FA1A-B387-4C47-9841-2D1A9ED4BFE2}" type="datetimeFigureOut">
               <a:rPr lang="ko-KR" altLang="en-US" smtClean="0"/>
-              <a:t>2021-11-11</a:t>
+              <a:t>2021-11-12</a:t>
             </a:fld>
             <a:endParaRPr lang="ko-KR" altLang="en-US"/>
           </a:p>
@@ -2595,7 +2595,7 @@
           <a:p>
             <a:fld id="{D669FA1A-B387-4C47-9841-2D1A9ED4BFE2}" type="datetimeFigureOut">
               <a:rPr lang="ko-KR" altLang="en-US" smtClean="0"/>
-              <a:t>2021-11-11</a:t>
+              <a:t>2021-11-12</a:t>
             </a:fld>
             <a:endParaRPr lang="ko-KR" altLang="en-US"/>
           </a:p>
